--- a/Machine Vision/lectures/10_Graphical_Models.pptx
+++ b/Machine Vision/lectures/10_Graphical_Models.pptx
@@ -273,7 +273,7 @@
             <a:fld id="{11A52505-1033-4C3B-8A81-F811E579E321}" type="datetimeFigureOut">
               <a:rPr lang="en-US" smtClean="0"/>
               <a:pPr/>
-              <a:t>11/13/2023</a:t>
+              <a:t>11/16/2023</a:t>
             </a:fld>
             <a:endParaRPr lang="en-GB"/>
           </a:p>
@@ -3047,6 +3047,166 @@
 </inkml:ink>
 </file>
 
+<file path=ppt/ink/ink85.xml><?xml version="1.0" encoding="utf-8"?>
+<inkml:ink xmlns:inkml="http://www.w3.org/2003/InkML">
+  <inkml:definitions>
+    <inkml:context xml:id="ctx0">
+      <inkml:inkSource xml:id="inkSrc0">
+        <inkml:traceFormat>
+          <inkml:channel name="X" type="integer" min="-2.14748E9" max="2.14748E9" units="cm"/>
+          <inkml:channel name="Y" type="integer" min="-2.14748E9" max="2.14748E9" units="cm"/>
+          <inkml:channel name="F" type="integer" max="32767" units="dev"/>
+          <inkml:channel name="OA" type="integer" max="360" units="deg"/>
+          <inkml:channel name="OE" type="integer" max="90" units="deg"/>
+        </inkml:traceFormat>
+        <inkml:channelProperties>
+          <inkml:channelProperty channel="X" name="resolution" value="1000" units="1/cm"/>
+          <inkml:channelProperty channel="Y" name="resolution" value="1000" units="1/cm"/>
+          <inkml:channelProperty channel="F" name="resolution" value="0" units="1/dev"/>
+          <inkml:channelProperty channel="OA" name="resolution" value="1000" units="1/deg"/>
+          <inkml:channelProperty channel="OE" name="resolution" value="1000" units="1/deg"/>
+        </inkml:channelProperties>
+      </inkml:inkSource>
+      <inkml:timestamp xml:id="ts0" timeString="2023-11-16T09:53:41.369"/>
+    </inkml:context>
+    <inkml:brush xml:id="br0">
+      <inkml:brushProperty name="width" value="0.1" units="cm"/>
+      <inkml:brushProperty name="height" value="0.1" units="cm"/>
+      <inkml:brushProperty name="color" value="#004F8B"/>
+    </inkml:brush>
+  </inkml:definitions>
+  <inkml:trace contextRef="#ctx0" brushRef="#br0">1 0 3223 0 0,'20'189'288'0'0,"-9"-69"-200"0"0,13 220 1505 0 0,-6-59-658 0 0,3-25-454 0 0,13 132 224 0 0,-1-64-178 0 0,102 1081 6034 0 0,-78-812-3221 0 0,15 211-651 0 0,-58-635-2436 0 0,4 77-41 0 0,-12-165-128 0 0,1 92 304 0 0,-8-215-6428 0 0,5-6-544 0 0</inkml:trace>
+</inkml:ink>
+</file>
+
+<file path=ppt/ink/ink86.xml><?xml version="1.0" encoding="utf-8"?>
+<inkml:ink xmlns:inkml="http://www.w3.org/2003/InkML">
+  <inkml:definitions>
+    <inkml:context xml:id="ctx0">
+      <inkml:inkSource xml:id="inkSrc0">
+        <inkml:traceFormat>
+          <inkml:channel name="X" type="integer" min="-2.14748E9" max="2.14748E9" units="cm"/>
+          <inkml:channel name="Y" type="integer" min="-2.14748E9" max="2.14748E9" units="cm"/>
+          <inkml:channel name="F" type="integer" max="32767" units="dev"/>
+          <inkml:channel name="OA" type="integer" max="360" units="deg"/>
+          <inkml:channel name="OE" type="integer" max="90" units="deg"/>
+        </inkml:traceFormat>
+        <inkml:channelProperties>
+          <inkml:channelProperty channel="X" name="resolution" value="1000" units="1/cm"/>
+          <inkml:channelProperty channel="Y" name="resolution" value="1000" units="1/cm"/>
+          <inkml:channelProperty channel="F" name="resolution" value="0" units="1/dev"/>
+          <inkml:channelProperty channel="OA" name="resolution" value="1000" units="1/deg"/>
+          <inkml:channelProperty channel="OE" name="resolution" value="1000" units="1/deg"/>
+        </inkml:channelProperties>
+      </inkml:inkSource>
+      <inkml:timestamp xml:id="ts0" timeString="2023-11-16T09:53:42.637"/>
+    </inkml:context>
+    <inkml:brush xml:id="br0">
+      <inkml:brushProperty name="width" value="0.1" units="cm"/>
+      <inkml:brushProperty name="height" value="0.1" units="cm"/>
+      <inkml:brushProperty name="color" value="#004F8B"/>
+    </inkml:brush>
+  </inkml:definitions>
+  <inkml:trace contextRef="#ctx0" brushRef="#br0">0 352 2991 0 0,'208'-23'273'0'0,"208"-27"3365"0"0,43-9 760 0 0,-302 41-3124 0 0,91-9 399 0 0,126-1 196 0 0,250-3 522 0 0,-550 28-2096 0 0,576-17 1434 0 0,-342 13-1047 0 0,-216 5-459 0 0,563-14 1575 0 0,-424 11-1076 0 0,155-1 293 0 0,-221 6-700 0 0,1699-9 2413 0 0,-925 6-2047 0 0,-411 10-471 0 0,303 2 140 0 0,-116-1 139 0 0,355-2 1070 0 0,-864-4-1348 0 0,231 4 58 0 0,177 3 331 0 0,86 0-485 0 0,-23-1-33 0 0,192-11 105 0 0,-242-15-187 0 0,55-3 0 0 0,155-3 0 0 0,-467 15 0 0 0,153-6 0 0 0,-183 3 0 0 0,384 5 0 0 0,-630 7 0 0 0,374 23 0 0 0,-172-5 0 0 0,198 8 0 0 0,278 59 0 0 0,-595-49 0 0 0,253 86 0 0 0,-163-16 0 0 0,-162-62 0 0 0,57 25 0 0 0,167 99 0 0 0,-250-124 0 0 0,61 38 0 0 0,-123-71 0 0 0,32 20 0 0 0,-1 1 0 0 0,53 50 0 0 0,24 43 0 0 0,182 237 0 0 0,-158-143 0 0 0,-16 12 0 0 0,-108-186 0 0 0,19 42 0 0 0,35 99 0 0 0,-75-176 0 0 0,96 288 0 0 0,-87-257 0 0 0,48 219 0 0 0,-37-146 0 0 0,22 115 0 0 0,23 303 0 0 0,-43-146 0 0 0,33 373 0 0 0,16-247 0 0 0,-63-450-441 0 0,-3-9-3852 0 0,30 95-1 0 0,-16-92-5902 0 0</inkml:trace>
+</inkml:ink>
+</file>
+
+<file path=ppt/ink/ink87.xml><?xml version="1.0" encoding="utf-8"?>
+<inkml:ink xmlns:inkml="http://www.w3.org/2003/InkML">
+  <inkml:definitions>
+    <inkml:context xml:id="ctx0">
+      <inkml:inkSource xml:id="inkSrc0">
+        <inkml:traceFormat>
+          <inkml:channel name="X" type="integer" min="-2.14748E9" max="2.14748E9" units="cm"/>
+          <inkml:channel name="Y" type="integer" min="-2.14748E9" max="2.14748E9" units="cm"/>
+          <inkml:channel name="F" type="integer" max="32767" units="dev"/>
+          <inkml:channel name="OA" type="integer" max="360" units="deg"/>
+          <inkml:channel name="OE" type="integer" max="90" units="deg"/>
+        </inkml:traceFormat>
+        <inkml:channelProperties>
+          <inkml:channelProperty channel="X" name="resolution" value="1000" units="1/cm"/>
+          <inkml:channelProperty channel="Y" name="resolution" value="1000" units="1/cm"/>
+          <inkml:channelProperty channel="F" name="resolution" value="0" units="1/dev"/>
+          <inkml:channelProperty channel="OA" name="resolution" value="1000" units="1/deg"/>
+          <inkml:channelProperty channel="OE" name="resolution" value="1000" units="1/deg"/>
+        </inkml:channelProperties>
+      </inkml:inkSource>
+      <inkml:timestamp xml:id="ts0" timeString="2023-11-16T09:52:23.083"/>
+    </inkml:context>
+    <inkml:brush xml:id="br0">
+      <inkml:brushProperty name="width" value="0.1" units="cm"/>
+      <inkml:brushProperty name="height" value="0.1" units="cm"/>
+      <inkml:brushProperty name="color" value="#004F8B"/>
+    </inkml:brush>
+  </inkml:definitions>
+  <inkml:trace contextRef="#ctx0" brushRef="#br0">229 15 2303 0 0,'-34'14'167'0'0,"20"-4"-134"0"0,0 5 367 0 0,0 0 0 0 0,2 1 0 0 0,-1 1 0 0 0,2 0-1 0 0,0 1 1 0 0,-12 29 0 0 0,-15 43 1541 0 0,33-75-1651 0 0,0-4 29 0 0,1 1-1 0 0,-3 16 1 0 0,-1 3 147 0 0,6-26-355 0 0,0 1 0 0 0,0-1-1 0 0,1 1 1 0 0,0 0 0 0 0,-1 8-1 0 0,2-1 46 0 0,0 0-1 0 0,-5 23 1 0 0,5-32-130 0 0,-1-1 0 0 0,1 0 0 0 0,0 1-1 0 0,0-1 1 0 0,1 0 0 0 0,-1 1 0 0 0,1-1 0 0 0,1 5 0 0 0,2 15 142 0 0,4 47 518 0 0,-4-37-164 0 0,-1-22-377 0 0,0-1 0 0 0,1 1 0 0 0,0-1 0 0 0,1 0 0 0 0,0 0 0 0 0,0 0 0 0 0,1-1-1 0 0,9 12 1 0 0,-11-15-76 0 0,1-1 0 0 0,0 1-1 0 0,0-1 1 0 0,0 0 0 0 0,1 0 0 0 0,0-1-1 0 0,0 0 1 0 0,0 0 0 0 0,1 0 0 0 0,-1-1-1 0 0,1 1 1 0 0,-1-2 0 0 0,1 1-1 0 0,0-1 1 0 0,0 0 0 0 0,1 0 0 0 0,-1-1-1 0 0,0 0 1 0 0,1-1 0 0 0,-1 1 0 0 0,9-2-1 0 0,-14 1-46 0 0,14-1 139 0 0,0 0-1 0 0,0-1 0 0 0,-1-1 0 0 0,1 0 1 0 0,-1-1-1 0 0,27-11 0 0 0,39-28 557 0 0,-59 30-482 0 0,0-1 0 0 0,-1-1-1 0 0,25-24 1 0 0,-24 16-51 0 0,0-1 0 0 0,-2-1-1 0 0,-2-1 1 0 0,18-30 0 0 0,-26 37-50 0 0,0-1-1 0 0,11-31 1 0 0,-16 37-79 0 0,1-6 23 0 0,-1 0 1 0 0,0 0-1 0 0,2-39 0 0 0,1 1 36 0 0,-7 49-85 0 0,0 0 1 0 0,0 1-1 0 0,-1-1 1 0 0,0 0 0 0 0,0 1-1 0 0,-1-1 1 0 0,-1 1-1 0 0,1-1 1 0 0,-1 1 0 0 0,-1-1-1 0 0,1 1 1 0 0,-1 0-1 0 0,-1 0 1 0 0,-7-12 0 0 0,7 14 6 0 0,0 1 1 0 0,0 0 0 0 0,-1 0 0 0 0,1 0 0 0 0,-1 0 0 0 0,0 1 0 0 0,-1 0-1 0 0,1 0 1 0 0,-1 0 0 0 0,1 1 0 0 0,-1 0 0 0 0,0 0 0 0 0,-8-2 0 0 0,3 1 143 0 0,-1 0 1 0 0,1 1 0 0 0,-1 1 0 0 0,1 0 0 0 0,-1 1 0 0 0,-18 0 0 0 0,5 2 92 0 0,0 1 0 0 0,-25 5 0 0 0,27-2-166 0 0,-1 1 1 0 0,1 0-1 0 0,0 2 1 0 0,1 1-1 0 0,0 1 0 0 0,0 1 1 0 0,1 1-1 0 0,0 0 1 0 0,1 2-1 0 0,1 0 1 0 0,-26 25-1 0 0,42-36-120 0 0,-45 45 177 0 0,44-43-266 0 0,0 0 0 0 0,0 1 0 0 0,1-1 0 0 0,-1 1 0 0 0,1 0 0 0 0,0 0 0 0 0,-3 10 0 0 0</inkml:trace>
+</inkml:ink>
+</file>
+
+<file path=ppt/ink/ink88.xml><?xml version="1.0" encoding="utf-8"?>
+<inkml:ink xmlns:inkml="http://www.w3.org/2003/InkML">
+  <inkml:definitions>
+    <inkml:context xml:id="ctx0">
+      <inkml:inkSource xml:id="inkSrc0">
+        <inkml:traceFormat>
+          <inkml:channel name="X" type="integer" min="-2.14748E9" max="2.14748E9" units="cm"/>
+          <inkml:channel name="Y" type="integer" min="-2.14748E9" max="2.14748E9" units="cm"/>
+          <inkml:channel name="F" type="integer" max="32767" units="dev"/>
+          <inkml:channel name="OA" type="integer" max="360" units="deg"/>
+          <inkml:channel name="OE" type="integer" max="90" units="deg"/>
+        </inkml:traceFormat>
+        <inkml:channelProperties>
+          <inkml:channelProperty channel="X" name="resolution" value="1000" units="1/cm"/>
+          <inkml:channelProperty channel="Y" name="resolution" value="1000" units="1/cm"/>
+          <inkml:channelProperty channel="F" name="resolution" value="0" units="1/dev"/>
+          <inkml:channelProperty channel="OA" name="resolution" value="1000" units="1/deg"/>
+          <inkml:channelProperty channel="OE" name="resolution" value="1000" units="1/deg"/>
+        </inkml:channelProperties>
+      </inkml:inkSource>
+      <inkml:timestamp xml:id="ts0" timeString="2023-11-16T09:52:23.810"/>
+    </inkml:context>
+    <inkml:brush xml:id="br0">
+      <inkml:brushProperty name="width" value="0.1" units="cm"/>
+      <inkml:brushProperty name="height" value="0.1" units="cm"/>
+      <inkml:brushProperty name="color" value="#004F8B"/>
+    </inkml:brush>
+  </inkml:definitions>
+  <inkml:trace contextRef="#ctx0" brushRef="#br0">1 20 5903 0 0,'0'0'1522'0'0,"2"1"-518"0"0,11 4-10 0 0,1-1 0 0 0,-1 0 0 0 0,1 0 0 0 0,-1-2 0 0 0,1 0 0 0 0,15 1 0 0 0,90-4 2254 0 0,-52 0-1312 0 0,66 3 362 0 0,133-4 633 0 0,-170-15-1943 0 0,-87 16-870 0 0,-1-1 0 0 0,1 0 0 0 0,-1-1 0 0 0,11-4 0 0 0,-1 0 30 0 0,-16 7-78 0 0,9-3 55 0 0,-11 3-122 0 0,1 0 0 0 0,-1 0 1 0 0,0 0-1 0 0,0 0 1 0 0,0 0-1 0 0,1-1 1 0 0,-1 1-1 0 0,0 0 1 0 0,0 0-1 0 0,1 0 1 0 0,-1 0-1 0 0,0 0 1 0 0,0 0-1 0 0,1 0 0 0 0,-1 0 1 0 0,0 0-1 0 0,1 0 1 0 0,-1 0-1 0 0,0 0 1 0 0,0 0-1 0 0,1 0 1 0 0,-1 0-1 0 0,0 1 1 0 0,0-1-1 0 0,0 0 1 0 0,1 0-1 0 0,-1 0 1 0 0,0 0-1 0 0,0 0 0 0 0,1 1 1 0 0,-1-1-1 0 0,0 0 1 0 0,0 0-1 0 0,0 0 1 0 0,0 0-1 0 0,1 1 1 0 0,-1-1-1 0 0,0 0 1 0 0,0 0-1 0 0,0 1 1 0 0,0-1-1 0 0,0 0 0 0 0,0 0 1 0 0,0 1-1 0 0,0-1 1 0 0,1 0-1 0 0,-1 0 1 0 0,0 1-1 0 0,0-1 1 0 0,0 0-1 0 0,0 0 1 0 0,0 1-1 0 0,0-1 1 0 0,-1 0-1 0 0,3 5-3 0 0,-1-9-85 0 0,-3-1 846 0 0</inkml:trace>
+</inkml:ink>
+</file>
+
+<file path=ppt/ink/ink89.xml><?xml version="1.0" encoding="utf-8"?>
+<inkml:ink xmlns:inkml="http://www.w3.org/2003/InkML">
+  <inkml:definitions>
+    <inkml:context xml:id="ctx0">
+      <inkml:inkSource xml:id="inkSrc0">
+        <inkml:traceFormat>
+          <inkml:channel name="X" type="integer" min="-2.14748E9" max="2.14748E9" units="cm"/>
+          <inkml:channel name="Y" type="integer" min="-2.14748E9" max="2.14748E9" units="cm"/>
+          <inkml:channel name="F" type="integer" max="32767" units="dev"/>
+          <inkml:channel name="OA" type="integer" max="360" units="deg"/>
+          <inkml:channel name="OE" type="integer" max="90" units="deg"/>
+        </inkml:traceFormat>
+        <inkml:channelProperties>
+          <inkml:channelProperty channel="X" name="resolution" value="1000" units="1/cm"/>
+          <inkml:channelProperty channel="Y" name="resolution" value="1000" units="1/cm"/>
+          <inkml:channelProperty channel="F" name="resolution" value="0" units="1/dev"/>
+          <inkml:channelProperty channel="OA" name="resolution" value="1000" units="1/deg"/>
+          <inkml:channelProperty channel="OE" name="resolution" value="1000" units="1/deg"/>
+        </inkml:channelProperties>
+      </inkml:inkSource>
+      <inkml:timestamp xml:id="ts0" timeString="2023-11-16T09:52:24.344"/>
+    </inkml:context>
+    <inkml:brush xml:id="br0">
+      <inkml:brushProperty name="width" value="0.1" units="cm"/>
+      <inkml:brushProperty name="height" value="0.1" units="cm"/>
+      <inkml:brushProperty name="color" value="#004F8B"/>
+    </inkml:brush>
+  </inkml:definitions>
+  <inkml:trace contextRef="#ctx0" brushRef="#br0">91 455 2935 0 0,'0'0'1042'0'0,"2"-1"-184"0"0,28-10 936 0 0,-27 10-872 0 0,2 1 8 0 0,69-21 4100 0 0,-46 13-4135 0 0,39-16 1280 0 0,-49 17-1573 0 0,-14 6 94 0 0,2-1 10 0 0,46-19 671 0 0,-48 19-901 0 0,2 0-85 0 0,45-17 339 0 0,-46 18-404 0 0,0 0-20 0 0,122-34 1335 0 0,-123 33-1378 0 0,0 1 1 0 0,31-16 247 0 0,-32 16-337 0 0,0 0-28 0 0,23-9 126 0 0,-24 10-143 0 0,0-1-1 0 0,0 0-103 0 0,0 0 0 0 0,-1-1 1 0 0,1 1-1 0 0,0 0 0 0 0,-1 0 0 0 0,1-1 0 0 0,-1 1 0 0 0,1-1 0 0 0,-1 0 1 0 0,0 1-1 0 0,1-1 0 0 0,-1 0 0 0 0,0 0 0 0 0,0 1 0 0 0,-1-1 0 0 0,1 0 1 0 0,0 0-1 0 0,0 0 0 0 0,-1 0 0 0 0,1 0 0 0 0,-1 0 0 0 0,0-1 0 0 0,0 1 1 0 0,0 0-1 0 0,0 0 0 0 0,0 0 0 0 0,0-4 0 0 0,-1 5-17 0 0,1-1 1 0 0,-1 1-1 0 0,1-1 0 0 0,-1 1 0 0 0,0 0 1 0 0,1-1-1 0 0,-1 1 0 0 0,0 0 0 0 0,0-1 1 0 0,0 1-1 0 0,0 0 0 0 0,0 0 0 0 0,0 0 1 0 0,-2-2-1 0 0,-19-12 57 0 0,11 8-13 0 0,-8-6 72 0 0,-2 0 0 0 0,1 2-1 0 0,-43-18 1 0 0,32 17-73 0 0,11 3-4 0 0,-35-9-1 0 0,1 5-36 0 0,22 4-5 0 0,0 1 0 0 0,-52-4-1 0 0,-61 0-1038 0 0,86 2-2648 0 0</inkml:trace>
+</inkml:ink>
+</file>
+
 <file path=ppt/ink/ink9.xml><?xml version="1.0" encoding="utf-8"?>
 <inkml:ink xmlns:inkml="http://www.w3.org/2003/InkML">
   <inkml:definitions>
@@ -3079,6 +3239,102 @@
 </inkml:ink>
 </file>
 
+<file path=ppt/ink/ink90.xml><?xml version="1.0" encoding="utf-8"?>
+<inkml:ink xmlns:inkml="http://www.w3.org/2003/InkML">
+  <inkml:definitions>
+    <inkml:context xml:id="ctx0">
+      <inkml:inkSource xml:id="inkSrc0">
+        <inkml:traceFormat>
+          <inkml:channel name="X" type="integer" min="-2.14748E9" max="2.14748E9" units="cm"/>
+          <inkml:channel name="Y" type="integer" min="-2.14748E9" max="2.14748E9" units="cm"/>
+          <inkml:channel name="F" type="integer" max="32767" units="dev"/>
+          <inkml:channel name="OA" type="integer" max="360" units="deg"/>
+          <inkml:channel name="OE" type="integer" max="90" units="deg"/>
+        </inkml:traceFormat>
+        <inkml:channelProperties>
+          <inkml:channelProperty channel="X" name="resolution" value="1000" units="1/cm"/>
+          <inkml:channelProperty channel="Y" name="resolution" value="1000" units="1/cm"/>
+          <inkml:channelProperty channel="F" name="resolution" value="0" units="1/dev"/>
+          <inkml:channelProperty channel="OA" name="resolution" value="1000" units="1/deg"/>
+          <inkml:channelProperty channel="OE" name="resolution" value="1000" units="1/deg"/>
+        </inkml:channelProperties>
+      </inkml:inkSource>
+      <inkml:timestamp xml:id="ts0" timeString="2023-11-16T09:52:51.187"/>
+    </inkml:context>
+    <inkml:brush xml:id="br0">
+      <inkml:brushProperty name="width" value="0.035" units="cm"/>
+      <inkml:brushProperty name="height" value="0.035" units="cm"/>
+      <inkml:brushProperty name="color" value="#008C3A"/>
+    </inkml:brush>
+  </inkml:definitions>
+  <inkml:trace contextRef="#ctx0" brushRef="#br0">1600 13 2935 0 0,'0'0'1098'0'0,"-7"-3"1722"0"0,-4 2-2098 0 0,1 0 0 0 0,-1 1 0 0 0,1 1 0 0 0,-1-1 0 0 0,-14 4 0 0 0,-53 18 1573 0 0,70-20-1946 0 0,-65 25 1764 0 0,-96 48 0 0 0,120-52-1325 0 0,-55 29 555 0 0,-14 8-442 0 0,-39 9 2 0 0,80-39-642 0 0,49-18-254 0 0,-3 0 68 0 0,0 2 1 0 0,0 1-1 0 0,-50 34 0 0 0,66-38-1 0 0,-5 3 130 0 0,2 0 0 0 0,0 1 0 0 0,1 1 0 0 0,-24 28-1 0 0,13-12-22 0 0,19-23-96 0 0,1 1 1 0 0,-15 22 0 0 0,-28 47 295 0 0,-10 18 3 0 0,30-43-189 0 0,-15 26 87 0 0,18-29-132 0 0,18-33-80 0 0,0 0 1 0 0,1 0 0 0 0,1 1-1 0 0,-9 29 1 0 0,14-32 9 0 0,0 0-1 0 0,0 0 1 0 0,2 0 0 0 0,0 0-1 0 0,1 1 1 0 0,3 27 0 0 0,-2-34-28 0 0,2 1 0 0 0,-1-1 0 0 0,1 0 0 0 0,0 0 0 0 0,1 0 0 0 0,1 0 0 0 0,-1-1 0 0 0,1 0 0 0 0,1 0 1 0 0,0 0-1 0 0,10 11 0 0 0,0-3 126 0 0,1-1 1 0 0,0-1-1 0 0,2-1 0 0 0,23 15 1 0 0,-5-3 53 0 0,-18-12-69 0 0,1-1 0 0 0,29 14 0 0 0,-17-13 75 0 0,1-2-1 0 0,1-2 0 0 0,0 0 1 0 0,54 6-1 0 0,-26-9 226 0 0,104-2-1 0 0,-80-7 10 0 0,150-22 0 0 0,-192 17-352 0 0,88-21-96 0 0,-30 1 131 0 0,36-11 222 0 0,-112 29-330 0 0,0-1 0 0 0,-1-1 0 0 0,29-18 0 0 0,-18 8-32 0 0,-1 0-14 0 0,34-26-1 0 0,2-6 77 0 0,-30 24-36 0 0,-1-2 0 0 0,48-49 0 0 0,-68 58-41 0 0,-1-1 0 0 0,0-1 0 0 0,-2 0 0 0 0,-1-1 0 0 0,-1-1 0 0 0,-1-1 0 0 0,-1 0 0 0 0,14-44 0 0 0,-12 21 0 0 0,-2 0 0 0 0,-3 0 0 0 0,8-97 0 0 0,-17 126 0 0 0,-1 0 0 0 0,-1-1 0 0 0,-1 1 0 0 0,-1 0 0 0 0,-1 0 0 0 0,-1 0 0 0 0,-1 1 0 0 0,0-1 0 0 0,-2 1 0 0 0,0 1 0 0 0,-21-35 0 0 0,11 24 0 0 0,-2 1 0 0 0,-1 1 0 0 0,-1 1 0 0 0,-29-27 0 0 0,31 35 0 0 0,-1 2 0 0 0,-1 0 0 0 0,0 1 0 0 0,-1 1 0 0 0,-45-21 0 0 0,39 23 0 0 0,-1 2 0 0 0,-1 2 0 0 0,0 0 0 0 0,0 2 0 0 0,-1 1 0 0 0,0 2 0 0 0,-54 0 0 0 0,29 4 0 0 0,0 2 0 0 0,1 4 0 0 0,0 1 0 0 0,0 3 0 0 0,-90 29 0 0 0,94-22-964 0 0,50-16-887 0 0</inkml:trace>
+</inkml:ink>
+</file>
+
+<file path=ppt/ink/ink91.xml><?xml version="1.0" encoding="utf-8"?>
+<inkml:ink xmlns:inkml="http://www.w3.org/2003/InkML">
+  <inkml:definitions>
+    <inkml:context xml:id="ctx0">
+      <inkml:inkSource xml:id="inkSrc0">
+        <inkml:traceFormat>
+          <inkml:channel name="X" type="integer" min="-2.14748E9" max="2.14748E9" units="cm"/>
+          <inkml:channel name="Y" type="integer" min="-2.14748E9" max="2.14748E9" units="cm"/>
+          <inkml:channel name="F" type="integer" max="32767" units="dev"/>
+          <inkml:channel name="OA" type="integer" max="360" units="deg"/>
+          <inkml:channel name="OE" type="integer" max="90" units="deg"/>
+        </inkml:traceFormat>
+        <inkml:channelProperties>
+          <inkml:channelProperty channel="X" name="resolution" value="1000" units="1/cm"/>
+          <inkml:channelProperty channel="Y" name="resolution" value="1000" units="1/cm"/>
+          <inkml:channelProperty channel="F" name="resolution" value="0" units="1/dev"/>
+          <inkml:channelProperty channel="OA" name="resolution" value="1000" units="1/deg"/>
+          <inkml:channelProperty channel="OE" name="resolution" value="1000" units="1/deg"/>
+        </inkml:channelProperties>
+      </inkml:inkSource>
+      <inkml:timestamp xml:id="ts0" timeString="2023-11-16T09:52:56.353"/>
+    </inkml:context>
+    <inkml:brush xml:id="br0">
+      <inkml:brushProperty name="width" value="0.1" units="cm"/>
+      <inkml:brushProperty name="height" value="0.1" units="cm"/>
+      <inkml:brushProperty name="color" value="#004F8B"/>
+    </inkml:brush>
+  </inkml:definitions>
+  <inkml:trace contextRef="#ctx0" brushRef="#br0">0 1 4031 0 0,'0'0'992'0'0,"3"1"-356"0"0,8 2 32 0 0,-11-2-520 0 0,1 0-1 0 0,0 0 0 0 0,-1 0 1 0 0,1 0-1 0 0,-1 0 0 0 0,1 0 1 0 0,-1 0-1 0 0,1 1 0 0 0,-1-1 1 0 0,0 0-1 0 0,0 0 1 0 0,0 0-1 0 0,0 1 0 0 0,1-1 1 0 0,-1 0-1 0 0,-1 0 0 0 0,1 2 1 0 0,0-2 3 0 0,2 102 4141 0 0,-1-86-3858 0 0,1 0-1 0 0,1 0 1 0 0,7 27-1 0 0,5 29 657 0 0,-10-31-571 0 0,9 62 793 0 0,-12-85-928 0 0,2 26 1 0 0,-3-27 58 0 0,5 35 1 0 0,3 2 181 0 0,1 6 119 0 0,-8-53-577 0 0,-1 0 0 0 0,0 1 0 0 0,-1 10-1 0 0,3 18 436 0 0,-2-35-576 0 0,0 4 107 0 0,0 0 0 0 0,0 1 1 0 0,1-1-1 0 0,0 0 0 0 0,0 0 1 0 0,5 9-1 0 0,-7-15-123 0 0,0 1-1 0 0,1-1 1 0 0,-1 1-1 0 0,0-1 1 0 0,0 0-1 0 0,0 1 1 0 0,0-1 0 0 0,0 1-1 0 0,0-1 1 0 0,0 1-1 0 0,0-1 1 0 0,0 1-1 0 0,0-1 1 0 0,0 0 0 0 0,0 1-1 0 0,-1-1 1 0 0,1 1-1 0 0,0-1 1 0 0,0 1-1 0 0,-1-1 1 0 0,1 2 25 0 0,-1 1 11 0 0,1-3-27 0 0,0 1 0 0 0,0 0 0 0 0,0-1 0 0 0,0 1 0 0 0,0 0 0 0 0,0-1 0 0 0,0 1 0 0 0,1 0 0 0 0,-1-1 0 0 0,0 1 1 0 0,0 0-1 0 0,0-1 0 0 0,1 1 0 0 0,-1-1 0 0 0,0 1 0 0 0,1 0 0 0 0,-1-1 0 0 0,1 1 0 0 0</inkml:trace>
+</inkml:ink>
+</file>
+
+<file path=ppt/ink/ink92.xml><?xml version="1.0" encoding="utf-8"?>
+<inkml:ink xmlns:inkml="http://www.w3.org/2003/InkML">
+  <inkml:definitions>
+    <inkml:context xml:id="ctx0">
+      <inkml:inkSource xml:id="inkSrc0">
+        <inkml:traceFormat>
+          <inkml:channel name="X" type="integer" min="-2.14748E9" max="2.14748E9" units="cm"/>
+          <inkml:channel name="Y" type="integer" min="-2.14748E9" max="2.14748E9" units="cm"/>
+          <inkml:channel name="F" type="integer" max="32767" units="dev"/>
+          <inkml:channel name="OA" type="integer" max="360" units="deg"/>
+          <inkml:channel name="OE" type="integer" max="90" units="deg"/>
+        </inkml:traceFormat>
+        <inkml:channelProperties>
+          <inkml:channelProperty channel="X" name="resolution" value="1000" units="1/cm"/>
+          <inkml:channelProperty channel="Y" name="resolution" value="1000" units="1/cm"/>
+          <inkml:channelProperty channel="F" name="resolution" value="0" units="1/dev"/>
+          <inkml:channelProperty channel="OA" name="resolution" value="1000" units="1/deg"/>
+          <inkml:channelProperty channel="OE" name="resolution" value="1000" units="1/deg"/>
+        </inkml:channelProperties>
+      </inkml:inkSource>
+      <inkml:timestamp xml:id="ts0" timeString="2023-11-16T09:52:56.903"/>
+    </inkml:context>
+    <inkml:brush xml:id="br0">
+      <inkml:brushProperty name="width" value="0.1" units="cm"/>
+      <inkml:brushProperty name="height" value="0.1" units="cm"/>
+      <inkml:brushProperty name="color" value="#004F8B"/>
+    </inkml:brush>
+  </inkml:definitions>
+  <inkml:trace contextRef="#ctx0" brushRef="#br0">0 143 4319 0 0,'1'2'332'0'0,"11"25"876"0"0,0 0 0 0 0,2-2-1 0 0,1 1 1 0 0,1-2-1 0 0,31 36 1 0 0,-42-54-769 0 0,1 0 0 0 0,0-1 0 0 0,0 1 0 0 0,0-2 1 0 0,8 6-1 0 0,-12-8-331 0 0,0-1-1 0 0,0 0 1 0 0,0 0 0 0 0,0 0 0 0 0,0 0 0 0 0,0-1 0 0 0,0 1-1 0 0,0 0 1 0 0,0-1 0 0 0,0 0 0 0 0,0 1 0 0 0,1-1-1 0 0,-1 0 1 0 0,0 0 0 0 0,0 0 0 0 0,0 0 0 0 0,0-1-1 0 0,0 1 1 0 0,1-1 0 0 0,-1 1 0 0 0,0-1 0 0 0,0 1-1 0 0,3-3 1 0 0,9-7 132 0 0,-1-1 0 0 0,-1 0 0 0 0,0-1 0 0 0,0 0 0 0 0,-1 0 0 0 0,-1-1 0 0 0,0-1 0 0 0,13-26 0 0 0,-10 15 9 0 0,-2 0-1 0 0,9-32 1 0 0,-11 31-106 0 0,1 0 1 0 0,16-30-1 0 0,-25 54-191 0 0,0 0-1 0 0,0 0 1 0 0,1 1 0 0 0,-1-1-1 0 0,0 0 1 0 0,1 1 0 0 0,-1-1-1 0 0,4-1 1 0 0,9-4-5142 0 0</inkml:trace>
+</inkml:ink>
+</file>
+
 <file path=ppt/notesMasters/notesMaster1.xml><?xml version="1.0" encoding="utf-8"?>
 <p:notesMaster xmlns:a="http://schemas.openxmlformats.org/drawingml/2006/main" xmlns:r="http://schemas.openxmlformats.org/officeDocument/2006/relationships" xmlns:p="http://schemas.openxmlformats.org/presentationml/2006/main">
   <p:cSld>
@@ -3162,7 +3418,7 @@
             <a:fld id="{7284CDAC-ACD1-4943-9118-05D26BC373AD}" type="datetimeFigureOut">
               <a:rPr lang="en-CA" smtClean="0"/>
               <a:pPr/>
-              <a:t>2023-11-13</a:t>
+              <a:t>2023-11-16</a:t>
             </a:fld>
             <a:endParaRPr lang="en-CA"/>
           </a:p>
@@ -3863,7 +4119,7 @@
             <a:fld id="{5DF277B3-A994-49DF-A53F-7FC77A8B7443}" type="datetime1">
               <a:rPr lang="en-CA" smtClean="0"/>
               <a:pPr/>
-              <a:t>2023-11-13</a:t>
+              <a:t>2023-11-16</a:t>
             </a:fld>
             <a:endParaRPr lang="en-CA"/>
           </a:p>
@@ -4030,7 +4286,7 @@
             <a:fld id="{82923E8B-C05F-4B82-AA83-B8DEC7D9A80B}" type="datetime1">
               <a:rPr lang="en-CA" smtClean="0"/>
               <a:pPr/>
-              <a:t>2023-11-13</a:t>
+              <a:t>2023-11-16</a:t>
             </a:fld>
             <a:endParaRPr lang="en-CA"/>
           </a:p>
@@ -4207,7 +4463,7 @@
             <a:fld id="{8F56AB48-3A78-4F92-918C-3EF755977BAB}" type="datetime1">
               <a:rPr lang="en-CA" smtClean="0"/>
               <a:pPr/>
-              <a:t>2023-11-13</a:t>
+              <a:t>2023-11-16</a:t>
             </a:fld>
             <a:endParaRPr lang="en-CA"/>
           </a:p>
@@ -4374,7 +4630,7 @@
             <a:fld id="{793AD3A0-7500-4968-9241-392FE010D33B}" type="datetime1">
               <a:rPr lang="en-CA" smtClean="0"/>
               <a:pPr/>
-              <a:t>2023-11-13</a:t>
+              <a:t>2023-11-16</a:t>
             </a:fld>
             <a:endParaRPr lang="en-CA"/>
           </a:p>
@@ -4617,7 +4873,7 @@
             <a:fld id="{ED3E9B63-D6FB-469B-9450-2D1C8B32E384}" type="datetime1">
               <a:rPr lang="en-CA" smtClean="0"/>
               <a:pPr/>
-              <a:t>2023-11-13</a:t>
+              <a:t>2023-11-16</a:t>
             </a:fld>
             <a:endParaRPr lang="en-CA"/>
           </a:p>
@@ -4902,7 +5158,7 @@
             <a:fld id="{B24135C3-4C7E-4CBB-B4CD-0BEC0E5E3741}" type="datetime1">
               <a:rPr lang="en-CA" smtClean="0"/>
               <a:pPr/>
-              <a:t>2023-11-13</a:t>
+              <a:t>2023-11-16</a:t>
             </a:fld>
             <a:endParaRPr lang="en-CA"/>
           </a:p>
@@ -5321,7 +5577,7 @@
             <a:fld id="{79C60421-A1EB-4633-8CE5-90973653AF94}" type="datetime1">
               <a:rPr lang="en-CA" smtClean="0"/>
               <a:pPr/>
-              <a:t>2023-11-13</a:t>
+              <a:t>2023-11-16</a:t>
             </a:fld>
             <a:endParaRPr lang="en-CA"/>
           </a:p>
@@ -5436,7 +5692,7 @@
             <a:fld id="{7B2525DB-2019-4632-8C0A-6E4995E5149C}" type="datetime1">
               <a:rPr lang="en-CA" smtClean="0"/>
               <a:pPr/>
-              <a:t>2023-11-13</a:t>
+              <a:t>2023-11-16</a:t>
             </a:fld>
             <a:endParaRPr lang="en-CA"/>
           </a:p>
@@ -5528,7 +5784,7 @@
             <a:fld id="{EC4E9B2C-431C-4CCD-BFDD-189CF353999F}" type="datetime1">
               <a:rPr lang="en-CA" smtClean="0"/>
               <a:pPr/>
-              <a:t>2023-11-13</a:t>
+              <a:t>2023-11-16</a:t>
             </a:fld>
             <a:endParaRPr lang="en-CA"/>
           </a:p>
@@ -5802,7 +6058,7 @@
             <a:fld id="{E9AD85B9-749B-4E4C-A95F-AE6044FE9757}" type="datetime1">
               <a:rPr lang="en-CA" smtClean="0"/>
               <a:pPr/>
-              <a:t>2023-11-13</a:t>
+              <a:t>2023-11-16</a:t>
             </a:fld>
             <a:endParaRPr lang="en-CA"/>
           </a:p>
@@ -6052,7 +6308,7 @@
             <a:fld id="{4AC9657A-EF48-41A3-91A1-6A555F4FA245}" type="datetime1">
               <a:rPr lang="en-CA" smtClean="0"/>
               <a:pPr/>
-              <a:t>2023-11-13</a:t>
+              <a:t>2023-11-16</a:t>
             </a:fld>
             <a:endParaRPr lang="en-CA"/>
           </a:p>
@@ -6262,7 +6518,7 @@
             <a:fld id="{210BF460-3ECD-417A-ACDC-6D120A1AC9B0}" type="datetime1">
               <a:rPr lang="en-CA" smtClean="0"/>
               <a:pPr/>
-              <a:t>2023-11-13</a:t>
+              <a:t>2023-11-16</a:t>
             </a:fld>
             <a:endParaRPr lang="en-CA"/>
           </a:p>
@@ -7327,8 +7583,8 @@
             <a:chExt cx="1191600" cy="537840"/>
           </a:xfrm>
         </p:grpSpPr>
-        <mc:AlternateContent xmlns:mc="http://schemas.openxmlformats.org/markup-compatibility/2006">
-          <mc:Choice xmlns:p14="http://schemas.microsoft.com/office/powerpoint/2010/main" Requires="p14">
+        <mc:AlternateContent xmlns:mc="http://schemas.openxmlformats.org/markup-compatibility/2006" xmlns:p14="http://schemas.microsoft.com/office/powerpoint/2010/main">
+          <mc:Choice Requires="p14">
             <p:contentPart p14:bwMode="auto" r:id="rId4">
               <p14:nvContentPartPr>
                 <p14:cNvPr id="3" name="墨迹 2">
@@ -7347,7 +7603,7 @@
               </p14:xfrm>
             </p:contentPart>
           </mc:Choice>
-          <mc:Fallback>
+          <mc:Fallback xmlns="">
             <p:pic>
               <p:nvPicPr>
                 <p:cNvPr id="3" name="墨迹 2">
@@ -7378,8 +7634,8 @@
             </p:pic>
           </mc:Fallback>
         </mc:AlternateContent>
-        <mc:AlternateContent xmlns:mc="http://schemas.openxmlformats.org/markup-compatibility/2006">
-          <mc:Choice xmlns:p14="http://schemas.microsoft.com/office/powerpoint/2010/main" Requires="p14">
+        <mc:AlternateContent xmlns:mc="http://schemas.openxmlformats.org/markup-compatibility/2006" xmlns:p14="http://schemas.microsoft.com/office/powerpoint/2010/main">
+          <mc:Choice Requires="p14">
             <p:contentPart p14:bwMode="auto" r:id="rId6">
               <p14:nvContentPartPr>
                 <p14:cNvPr id="6" name="墨迹 5">
@@ -7398,7 +7654,7 @@
               </p14:xfrm>
             </p:contentPart>
           </mc:Choice>
-          <mc:Fallback>
+          <mc:Fallback xmlns="">
             <p:pic>
               <p:nvPicPr>
                 <p:cNvPr id="6" name="墨迹 5">
@@ -10424,8 +10680,8 @@
             <a:chExt cx="1596600" cy="1083240"/>
           </a:xfrm>
         </p:grpSpPr>
-        <mc:AlternateContent xmlns:mc="http://schemas.openxmlformats.org/markup-compatibility/2006">
-          <mc:Choice xmlns:p14="http://schemas.microsoft.com/office/powerpoint/2010/main" Requires="p14">
+        <mc:AlternateContent xmlns:mc="http://schemas.openxmlformats.org/markup-compatibility/2006" xmlns:p14="http://schemas.microsoft.com/office/powerpoint/2010/main">
+          <mc:Choice Requires="p14">
             <p:contentPart p14:bwMode="auto" r:id="rId3">
               <p14:nvContentPartPr>
                 <p14:cNvPr id="3" name="墨迹 2">
@@ -10444,7 +10700,7 @@
               </p14:xfrm>
             </p:contentPart>
           </mc:Choice>
-          <mc:Fallback>
+          <mc:Fallback xmlns="">
             <p:pic>
               <p:nvPicPr>
                 <p:cNvPr id="3" name="墨迹 2">
@@ -10475,8 +10731,8 @@
             </p:pic>
           </mc:Fallback>
         </mc:AlternateContent>
-        <mc:AlternateContent xmlns:mc="http://schemas.openxmlformats.org/markup-compatibility/2006">
-          <mc:Choice xmlns:p14="http://schemas.microsoft.com/office/powerpoint/2010/main" Requires="p14">
+        <mc:AlternateContent xmlns:mc="http://schemas.openxmlformats.org/markup-compatibility/2006" xmlns:p14="http://schemas.microsoft.com/office/powerpoint/2010/main">
+          <mc:Choice Requires="p14">
             <p:contentPart p14:bwMode="auto" r:id="rId5">
               <p14:nvContentPartPr>
                 <p14:cNvPr id="6" name="墨迹 5">
@@ -10495,7 +10751,7 @@
               </p14:xfrm>
             </p:contentPart>
           </mc:Choice>
-          <mc:Fallback>
+          <mc:Fallback xmlns="">
             <p:pic>
               <p:nvPicPr>
                 <p:cNvPr id="6" name="墨迹 5">
@@ -10526,8 +10782,8 @@
             </p:pic>
           </mc:Fallback>
         </mc:AlternateContent>
-        <mc:AlternateContent xmlns:mc="http://schemas.openxmlformats.org/markup-compatibility/2006">
-          <mc:Choice xmlns:p14="http://schemas.microsoft.com/office/powerpoint/2010/main" Requires="p14">
+        <mc:AlternateContent xmlns:mc="http://schemas.openxmlformats.org/markup-compatibility/2006" xmlns:p14="http://schemas.microsoft.com/office/powerpoint/2010/main">
+          <mc:Choice Requires="p14">
             <p:contentPart p14:bwMode="auto" r:id="rId7">
               <p14:nvContentPartPr>
                 <p14:cNvPr id="9" name="墨迹 8">
@@ -10546,7 +10802,7 @@
               </p14:xfrm>
             </p:contentPart>
           </mc:Choice>
-          <mc:Fallback>
+          <mc:Fallback xmlns="">
             <p:pic>
               <p:nvPicPr>
                 <p:cNvPr id="9" name="墨迹 8">
@@ -10577,8 +10833,8 @@
             </p:pic>
           </mc:Fallback>
         </mc:AlternateContent>
-        <mc:AlternateContent xmlns:mc="http://schemas.openxmlformats.org/markup-compatibility/2006">
-          <mc:Choice xmlns:p14="http://schemas.microsoft.com/office/powerpoint/2010/main" Requires="p14">
+        <mc:AlternateContent xmlns:mc="http://schemas.openxmlformats.org/markup-compatibility/2006" xmlns:p14="http://schemas.microsoft.com/office/powerpoint/2010/main">
+          <mc:Choice Requires="p14">
             <p:contentPart p14:bwMode="auto" r:id="rId9">
               <p14:nvContentPartPr>
                 <p14:cNvPr id="11" name="墨迹 10">
@@ -10597,7 +10853,7 @@
               </p14:xfrm>
             </p:contentPart>
           </mc:Choice>
-          <mc:Fallback>
+          <mc:Fallback xmlns="">
             <p:pic>
               <p:nvPicPr>
                 <p:cNvPr id="11" name="墨迹 10">
@@ -10628,8 +10884,8 @@
             </p:pic>
           </mc:Fallback>
         </mc:AlternateContent>
-        <mc:AlternateContent xmlns:mc="http://schemas.openxmlformats.org/markup-compatibility/2006">
-          <mc:Choice xmlns:p14="http://schemas.microsoft.com/office/powerpoint/2010/main" Requires="p14">
+        <mc:AlternateContent xmlns:mc="http://schemas.openxmlformats.org/markup-compatibility/2006" xmlns:p14="http://schemas.microsoft.com/office/powerpoint/2010/main">
+          <mc:Choice Requires="p14">
             <p:contentPart p14:bwMode="auto" r:id="rId11">
               <p14:nvContentPartPr>
                 <p14:cNvPr id="12" name="墨迹 11">
@@ -10648,7 +10904,7 @@
               </p14:xfrm>
             </p:contentPart>
           </mc:Choice>
-          <mc:Fallback>
+          <mc:Fallback xmlns="">
             <p:pic>
               <p:nvPicPr>
                 <p:cNvPr id="12" name="墨迹 11">
@@ -10679,8 +10935,8 @@
             </p:pic>
           </mc:Fallback>
         </mc:AlternateContent>
-        <mc:AlternateContent xmlns:mc="http://schemas.openxmlformats.org/markup-compatibility/2006">
-          <mc:Choice xmlns:p14="http://schemas.microsoft.com/office/powerpoint/2010/main" Requires="p14">
+        <mc:AlternateContent xmlns:mc="http://schemas.openxmlformats.org/markup-compatibility/2006" xmlns:p14="http://schemas.microsoft.com/office/powerpoint/2010/main">
+          <mc:Choice Requires="p14">
             <p:contentPart p14:bwMode="auto" r:id="rId13">
               <p14:nvContentPartPr>
                 <p14:cNvPr id="13" name="墨迹 12">
@@ -10699,7 +10955,7 @@
               </p14:xfrm>
             </p:contentPart>
           </mc:Choice>
-          <mc:Fallback>
+          <mc:Fallback xmlns="">
             <p:pic>
               <p:nvPicPr>
                 <p:cNvPr id="13" name="墨迹 12">
@@ -10730,8 +10986,8 @@
             </p:pic>
           </mc:Fallback>
         </mc:AlternateContent>
-        <mc:AlternateContent xmlns:mc="http://schemas.openxmlformats.org/markup-compatibility/2006">
-          <mc:Choice xmlns:p14="http://schemas.microsoft.com/office/powerpoint/2010/main" Requires="p14">
+        <mc:AlternateContent xmlns:mc="http://schemas.openxmlformats.org/markup-compatibility/2006" xmlns:p14="http://schemas.microsoft.com/office/powerpoint/2010/main">
+          <mc:Choice Requires="p14">
             <p:contentPart p14:bwMode="auto" r:id="rId15">
               <p14:nvContentPartPr>
                 <p14:cNvPr id="16" name="墨迹 15">
@@ -10750,7 +11006,7 @@
               </p14:xfrm>
             </p:contentPart>
           </mc:Choice>
-          <mc:Fallback>
+          <mc:Fallback xmlns="">
             <p:pic>
               <p:nvPicPr>
                 <p:cNvPr id="16" name="墨迹 15">
@@ -10781,8 +11037,8 @@
             </p:pic>
           </mc:Fallback>
         </mc:AlternateContent>
-        <mc:AlternateContent xmlns:mc="http://schemas.openxmlformats.org/markup-compatibility/2006">
-          <mc:Choice xmlns:p14="http://schemas.microsoft.com/office/powerpoint/2010/main" Requires="p14">
+        <mc:AlternateContent xmlns:mc="http://schemas.openxmlformats.org/markup-compatibility/2006" xmlns:p14="http://schemas.microsoft.com/office/powerpoint/2010/main">
+          <mc:Choice Requires="p14">
             <p:contentPart p14:bwMode="auto" r:id="rId17">
               <p14:nvContentPartPr>
                 <p14:cNvPr id="17" name="墨迹 16">
@@ -10801,7 +11057,7 @@
               </p14:xfrm>
             </p:contentPart>
           </mc:Choice>
-          <mc:Fallback>
+          <mc:Fallback xmlns="">
             <p:pic>
               <p:nvPicPr>
                 <p:cNvPr id="17" name="墨迹 16">
@@ -10832,8 +11088,8 @@
             </p:pic>
           </mc:Fallback>
         </mc:AlternateContent>
-        <mc:AlternateContent xmlns:mc="http://schemas.openxmlformats.org/markup-compatibility/2006">
-          <mc:Choice xmlns:p14="http://schemas.microsoft.com/office/powerpoint/2010/main" Requires="p14">
+        <mc:AlternateContent xmlns:mc="http://schemas.openxmlformats.org/markup-compatibility/2006" xmlns:p14="http://schemas.microsoft.com/office/powerpoint/2010/main">
+          <mc:Choice Requires="p14">
             <p:contentPart p14:bwMode="auto" r:id="rId19">
               <p14:nvContentPartPr>
                 <p14:cNvPr id="20" name="墨迹 19">
@@ -10852,7 +11108,7 @@
               </p14:xfrm>
             </p:contentPart>
           </mc:Choice>
-          <mc:Fallback>
+          <mc:Fallback xmlns="">
             <p:pic>
               <p:nvPicPr>
                 <p:cNvPr id="20" name="墨迹 19">
@@ -10883,8 +11139,8 @@
             </p:pic>
           </mc:Fallback>
         </mc:AlternateContent>
-        <mc:AlternateContent xmlns:mc="http://schemas.openxmlformats.org/markup-compatibility/2006">
-          <mc:Choice xmlns:p14="http://schemas.microsoft.com/office/powerpoint/2010/main" Requires="p14">
+        <mc:AlternateContent xmlns:mc="http://schemas.openxmlformats.org/markup-compatibility/2006" xmlns:p14="http://schemas.microsoft.com/office/powerpoint/2010/main">
+          <mc:Choice Requires="p14">
             <p:contentPart p14:bwMode="auto" r:id="rId21">
               <p14:nvContentPartPr>
                 <p14:cNvPr id="21" name="墨迹 20">
@@ -10903,7 +11159,7 @@
               </p14:xfrm>
             </p:contentPart>
           </mc:Choice>
-          <mc:Fallback>
+          <mc:Fallback xmlns="">
             <p:pic>
               <p:nvPicPr>
                 <p:cNvPr id="21" name="墨迹 20">
@@ -10934,8 +11190,8 @@
             </p:pic>
           </mc:Fallback>
         </mc:AlternateContent>
-        <mc:AlternateContent xmlns:mc="http://schemas.openxmlformats.org/markup-compatibility/2006">
-          <mc:Choice xmlns:p14="http://schemas.microsoft.com/office/powerpoint/2010/main" Requires="p14">
+        <mc:AlternateContent xmlns:mc="http://schemas.openxmlformats.org/markup-compatibility/2006" xmlns:p14="http://schemas.microsoft.com/office/powerpoint/2010/main">
+          <mc:Choice Requires="p14">
             <p:contentPart p14:bwMode="auto" r:id="rId23">
               <p14:nvContentPartPr>
                 <p14:cNvPr id="22" name="墨迹 21">
@@ -10954,7 +11210,7 @@
               </p14:xfrm>
             </p:contentPart>
           </mc:Choice>
-          <mc:Fallback>
+          <mc:Fallback xmlns="">
             <p:pic>
               <p:nvPicPr>
                 <p:cNvPr id="22" name="墨迹 21">
@@ -10985,8 +11241,8 @@
             </p:pic>
           </mc:Fallback>
         </mc:AlternateContent>
-        <mc:AlternateContent xmlns:mc="http://schemas.openxmlformats.org/markup-compatibility/2006">
-          <mc:Choice xmlns:p14="http://schemas.microsoft.com/office/powerpoint/2010/main" Requires="p14">
+        <mc:AlternateContent xmlns:mc="http://schemas.openxmlformats.org/markup-compatibility/2006" xmlns:p14="http://schemas.microsoft.com/office/powerpoint/2010/main">
+          <mc:Choice Requires="p14">
             <p:contentPart p14:bwMode="auto" r:id="rId25">
               <p14:nvContentPartPr>
                 <p14:cNvPr id="24" name="墨迹 23">
@@ -11005,7 +11261,7 @@
               </p14:xfrm>
             </p:contentPart>
           </mc:Choice>
-          <mc:Fallback>
+          <mc:Fallback xmlns="">
             <p:pic>
               <p:nvPicPr>
                 <p:cNvPr id="24" name="墨迹 23">
@@ -11036,8 +11292,8 @@
             </p:pic>
           </mc:Fallback>
         </mc:AlternateContent>
-        <mc:AlternateContent xmlns:mc="http://schemas.openxmlformats.org/markup-compatibility/2006">
-          <mc:Choice xmlns:p14="http://schemas.microsoft.com/office/powerpoint/2010/main" Requires="p14">
+        <mc:AlternateContent xmlns:mc="http://schemas.openxmlformats.org/markup-compatibility/2006" xmlns:p14="http://schemas.microsoft.com/office/powerpoint/2010/main">
+          <mc:Choice Requires="p14">
             <p:contentPart p14:bwMode="auto" r:id="rId27">
               <p14:nvContentPartPr>
                 <p14:cNvPr id="25" name="墨迹 24">
@@ -11056,7 +11312,7 @@
               </p14:xfrm>
             </p:contentPart>
           </mc:Choice>
-          <mc:Fallback>
+          <mc:Fallback xmlns="">
             <p:pic>
               <p:nvPicPr>
                 <p:cNvPr id="25" name="墨迹 24">
@@ -11087,8 +11343,8 @@
             </p:pic>
           </mc:Fallback>
         </mc:AlternateContent>
-        <mc:AlternateContent xmlns:mc="http://schemas.openxmlformats.org/markup-compatibility/2006">
-          <mc:Choice xmlns:p14="http://schemas.microsoft.com/office/powerpoint/2010/main" Requires="p14">
+        <mc:AlternateContent xmlns:mc="http://schemas.openxmlformats.org/markup-compatibility/2006" xmlns:p14="http://schemas.microsoft.com/office/powerpoint/2010/main">
+          <mc:Choice Requires="p14">
             <p:contentPart p14:bwMode="auto" r:id="rId29">
               <p14:nvContentPartPr>
                 <p14:cNvPr id="26" name="墨迹 25">
@@ -11107,7 +11363,7 @@
               </p14:xfrm>
             </p:contentPart>
           </mc:Choice>
-          <mc:Fallback>
+          <mc:Fallback xmlns="">
             <p:pic>
               <p:nvPicPr>
                 <p:cNvPr id="26" name="墨迹 25">
@@ -11138,8 +11394,8 @@
             </p:pic>
           </mc:Fallback>
         </mc:AlternateContent>
-        <mc:AlternateContent xmlns:mc="http://schemas.openxmlformats.org/markup-compatibility/2006">
-          <mc:Choice xmlns:p14="http://schemas.microsoft.com/office/powerpoint/2010/main" Requires="p14">
+        <mc:AlternateContent xmlns:mc="http://schemas.openxmlformats.org/markup-compatibility/2006" xmlns:p14="http://schemas.microsoft.com/office/powerpoint/2010/main">
+          <mc:Choice Requires="p14">
             <p:contentPart p14:bwMode="auto" r:id="rId31">
               <p14:nvContentPartPr>
                 <p14:cNvPr id="27" name="墨迹 26">
@@ -11158,7 +11414,7 @@
               </p14:xfrm>
             </p:contentPart>
           </mc:Choice>
-          <mc:Fallback>
+          <mc:Fallback xmlns="">
             <p:pic>
               <p:nvPicPr>
                 <p:cNvPr id="27" name="墨迹 26">
@@ -11189,8 +11445,8 @@
             </p:pic>
           </mc:Fallback>
         </mc:AlternateContent>
-        <mc:AlternateContent xmlns:mc="http://schemas.openxmlformats.org/markup-compatibility/2006">
-          <mc:Choice xmlns:p14="http://schemas.microsoft.com/office/powerpoint/2010/main" Requires="p14">
+        <mc:AlternateContent xmlns:mc="http://schemas.openxmlformats.org/markup-compatibility/2006" xmlns:p14="http://schemas.microsoft.com/office/powerpoint/2010/main">
+          <mc:Choice Requires="p14">
             <p:contentPart p14:bwMode="auto" r:id="rId33">
               <p14:nvContentPartPr>
                 <p14:cNvPr id="28" name="墨迹 27">
@@ -11209,7 +11465,7 @@
               </p14:xfrm>
             </p:contentPart>
           </mc:Choice>
-          <mc:Fallback>
+          <mc:Fallback xmlns="">
             <p:pic>
               <p:nvPicPr>
                 <p:cNvPr id="28" name="墨迹 27">
@@ -11240,8 +11496,8 @@
             </p:pic>
           </mc:Fallback>
         </mc:AlternateContent>
-        <mc:AlternateContent xmlns:mc="http://schemas.openxmlformats.org/markup-compatibility/2006">
-          <mc:Choice xmlns:p14="http://schemas.microsoft.com/office/powerpoint/2010/main" Requires="p14">
+        <mc:AlternateContent xmlns:mc="http://schemas.openxmlformats.org/markup-compatibility/2006" xmlns:p14="http://schemas.microsoft.com/office/powerpoint/2010/main">
+          <mc:Choice Requires="p14">
             <p:contentPart p14:bwMode="auto" r:id="rId35">
               <p14:nvContentPartPr>
                 <p14:cNvPr id="29" name="墨迹 28">
@@ -11260,7 +11516,7 @@
               </p14:xfrm>
             </p:contentPart>
           </mc:Choice>
-          <mc:Fallback>
+          <mc:Fallback xmlns="">
             <p:pic>
               <p:nvPicPr>
                 <p:cNvPr id="29" name="墨迹 28">
@@ -11291,8 +11547,8 @@
             </p:pic>
           </mc:Fallback>
         </mc:AlternateContent>
-        <mc:AlternateContent xmlns:mc="http://schemas.openxmlformats.org/markup-compatibility/2006">
-          <mc:Choice xmlns:p14="http://schemas.microsoft.com/office/powerpoint/2010/main" Requires="p14">
+        <mc:AlternateContent xmlns:mc="http://schemas.openxmlformats.org/markup-compatibility/2006" xmlns:p14="http://schemas.microsoft.com/office/powerpoint/2010/main">
+          <mc:Choice Requires="p14">
             <p:contentPart p14:bwMode="auto" r:id="rId37">
               <p14:nvContentPartPr>
                 <p14:cNvPr id="30" name="墨迹 29">
@@ -11311,7 +11567,7 @@
               </p14:xfrm>
             </p:contentPart>
           </mc:Choice>
-          <mc:Fallback>
+          <mc:Fallback xmlns="">
             <p:pic>
               <p:nvPicPr>
                 <p:cNvPr id="30" name="墨迹 29">
@@ -11342,8 +11598,8 @@
             </p:pic>
           </mc:Fallback>
         </mc:AlternateContent>
-        <mc:AlternateContent xmlns:mc="http://schemas.openxmlformats.org/markup-compatibility/2006">
-          <mc:Choice xmlns:p14="http://schemas.microsoft.com/office/powerpoint/2010/main" Requires="p14">
+        <mc:AlternateContent xmlns:mc="http://schemas.openxmlformats.org/markup-compatibility/2006" xmlns:p14="http://schemas.microsoft.com/office/powerpoint/2010/main">
+          <mc:Choice Requires="p14">
             <p:contentPart p14:bwMode="auto" r:id="rId39">
               <p14:nvContentPartPr>
                 <p14:cNvPr id="31" name="墨迹 30">
@@ -11362,7 +11618,7 @@
               </p14:xfrm>
             </p:contentPart>
           </mc:Choice>
-          <mc:Fallback>
+          <mc:Fallback xmlns="">
             <p:pic>
               <p:nvPicPr>
                 <p:cNvPr id="31" name="墨迹 30">
@@ -12397,8 +12653,8 @@
           </p:spPr>
         </p:pic>
       </p:grpSp>
-      <mc:AlternateContent xmlns:mc="http://schemas.openxmlformats.org/markup-compatibility/2006">
-        <mc:Choice xmlns:p14="http://schemas.microsoft.com/office/powerpoint/2010/main" Requires="p14">
+      <mc:AlternateContent xmlns:mc="http://schemas.openxmlformats.org/markup-compatibility/2006" xmlns:p14="http://schemas.microsoft.com/office/powerpoint/2010/main">
+        <mc:Choice Requires="p14">
           <p:contentPart p14:bwMode="auto" r:id="rId5">
             <p14:nvContentPartPr>
               <p14:cNvPr id="6" name="墨迹 5">
@@ -12417,7 +12673,7 @@
             </p14:xfrm>
           </p:contentPart>
         </mc:Choice>
-        <mc:Fallback>
+        <mc:Fallback xmlns="">
           <p:pic>
             <p:nvPicPr>
               <p:cNvPr id="6" name="墨迹 5">
@@ -12468,8 +12724,8 @@
             <a:chExt cx="2261880" cy="1327680"/>
           </a:xfrm>
         </p:grpSpPr>
-        <mc:AlternateContent xmlns:mc="http://schemas.openxmlformats.org/markup-compatibility/2006">
-          <mc:Choice xmlns:p14="http://schemas.microsoft.com/office/powerpoint/2010/main" Requires="p14">
+        <mc:AlternateContent xmlns:mc="http://schemas.openxmlformats.org/markup-compatibility/2006" xmlns:p14="http://schemas.microsoft.com/office/powerpoint/2010/main">
+          <mc:Choice Requires="p14">
             <p:contentPart p14:bwMode="auto" r:id="rId7">
               <p14:nvContentPartPr>
                 <p14:cNvPr id="9" name="墨迹 8">
@@ -12488,7 +12744,7 @@
               </p14:xfrm>
             </p:contentPart>
           </mc:Choice>
-          <mc:Fallback>
+          <mc:Fallback xmlns="">
             <p:pic>
               <p:nvPicPr>
                 <p:cNvPr id="9" name="墨迹 8">
@@ -12519,8 +12775,8 @@
             </p:pic>
           </mc:Fallback>
         </mc:AlternateContent>
-        <mc:AlternateContent xmlns:mc="http://schemas.openxmlformats.org/markup-compatibility/2006">
-          <mc:Choice xmlns:p14="http://schemas.microsoft.com/office/powerpoint/2010/main" Requires="p14">
+        <mc:AlternateContent xmlns:mc="http://schemas.openxmlformats.org/markup-compatibility/2006" xmlns:p14="http://schemas.microsoft.com/office/powerpoint/2010/main">
+          <mc:Choice Requires="p14">
             <p:contentPart p14:bwMode="auto" r:id="rId9">
               <p14:nvContentPartPr>
                 <p14:cNvPr id="12" name="墨迹 11">
@@ -12539,7 +12795,7 @@
               </p14:xfrm>
             </p:contentPart>
           </mc:Choice>
-          <mc:Fallback>
+          <mc:Fallback xmlns="">
             <p:pic>
               <p:nvPicPr>
                 <p:cNvPr id="12" name="墨迹 11">
@@ -12570,8 +12826,8 @@
             </p:pic>
           </mc:Fallback>
         </mc:AlternateContent>
-        <mc:AlternateContent xmlns:mc="http://schemas.openxmlformats.org/markup-compatibility/2006">
-          <mc:Choice xmlns:p14="http://schemas.microsoft.com/office/powerpoint/2010/main" Requires="p14">
+        <mc:AlternateContent xmlns:mc="http://schemas.openxmlformats.org/markup-compatibility/2006" xmlns:p14="http://schemas.microsoft.com/office/powerpoint/2010/main">
+          <mc:Choice Requires="p14">
             <p:contentPart p14:bwMode="auto" r:id="rId11">
               <p14:nvContentPartPr>
                 <p14:cNvPr id="14" name="墨迹 13">
@@ -12590,7 +12846,7 @@
               </p14:xfrm>
             </p:contentPart>
           </mc:Choice>
-          <mc:Fallback>
+          <mc:Fallback xmlns="">
             <p:pic>
               <p:nvPicPr>
                 <p:cNvPr id="14" name="墨迹 13">
@@ -12621,8 +12877,8 @@
             </p:pic>
           </mc:Fallback>
         </mc:AlternateContent>
-        <mc:AlternateContent xmlns:mc="http://schemas.openxmlformats.org/markup-compatibility/2006">
-          <mc:Choice xmlns:p14="http://schemas.microsoft.com/office/powerpoint/2010/main" Requires="p14">
+        <mc:AlternateContent xmlns:mc="http://schemas.openxmlformats.org/markup-compatibility/2006" xmlns:p14="http://schemas.microsoft.com/office/powerpoint/2010/main">
+          <mc:Choice Requires="p14">
             <p:contentPart p14:bwMode="auto" r:id="rId13">
               <p14:nvContentPartPr>
                 <p14:cNvPr id="15" name="墨迹 14">
@@ -12641,7 +12897,7 @@
               </p14:xfrm>
             </p:contentPart>
           </mc:Choice>
-          <mc:Fallback>
+          <mc:Fallback xmlns="">
             <p:pic>
               <p:nvPicPr>
                 <p:cNvPr id="15" name="墨迹 14">
@@ -12672,8 +12928,8 @@
             </p:pic>
           </mc:Fallback>
         </mc:AlternateContent>
-        <mc:AlternateContent xmlns:mc="http://schemas.openxmlformats.org/markup-compatibility/2006">
-          <mc:Choice xmlns:p14="http://schemas.microsoft.com/office/powerpoint/2010/main" Requires="p14">
+        <mc:AlternateContent xmlns:mc="http://schemas.openxmlformats.org/markup-compatibility/2006" xmlns:p14="http://schemas.microsoft.com/office/powerpoint/2010/main">
+          <mc:Choice Requires="p14">
             <p:contentPart p14:bwMode="auto" r:id="rId15">
               <p14:nvContentPartPr>
                 <p14:cNvPr id="16" name="墨迹 15">
@@ -12692,7 +12948,7 @@
               </p14:xfrm>
             </p:contentPart>
           </mc:Choice>
-          <mc:Fallback>
+          <mc:Fallback xmlns="">
             <p:pic>
               <p:nvPicPr>
                 <p:cNvPr id="16" name="墨迹 15">
@@ -12723,8 +12979,8 @@
             </p:pic>
           </mc:Fallback>
         </mc:AlternateContent>
-        <mc:AlternateContent xmlns:mc="http://schemas.openxmlformats.org/markup-compatibility/2006">
-          <mc:Choice xmlns:p14="http://schemas.microsoft.com/office/powerpoint/2010/main" Requires="p14">
+        <mc:AlternateContent xmlns:mc="http://schemas.openxmlformats.org/markup-compatibility/2006" xmlns:p14="http://schemas.microsoft.com/office/powerpoint/2010/main">
+          <mc:Choice Requires="p14">
             <p:contentPart p14:bwMode="auto" r:id="rId17">
               <p14:nvContentPartPr>
                 <p14:cNvPr id="17" name="墨迹 16">
@@ -12743,7 +12999,7 @@
               </p14:xfrm>
             </p:contentPart>
           </mc:Choice>
-          <mc:Fallback>
+          <mc:Fallback xmlns="">
             <p:pic>
               <p:nvPicPr>
                 <p:cNvPr id="17" name="墨迹 16">
@@ -12774,8 +13030,8 @@
             </p:pic>
           </mc:Fallback>
         </mc:AlternateContent>
-        <mc:AlternateContent xmlns:mc="http://schemas.openxmlformats.org/markup-compatibility/2006">
-          <mc:Choice xmlns:p14="http://schemas.microsoft.com/office/powerpoint/2010/main" Requires="p14">
+        <mc:AlternateContent xmlns:mc="http://schemas.openxmlformats.org/markup-compatibility/2006" xmlns:p14="http://schemas.microsoft.com/office/powerpoint/2010/main">
+          <mc:Choice Requires="p14">
             <p:contentPart p14:bwMode="auto" r:id="rId19">
               <p14:nvContentPartPr>
                 <p14:cNvPr id="18" name="墨迹 17">
@@ -12794,7 +13050,7 @@
               </p14:xfrm>
             </p:contentPart>
           </mc:Choice>
-          <mc:Fallback>
+          <mc:Fallback xmlns="">
             <p:pic>
               <p:nvPicPr>
                 <p:cNvPr id="18" name="墨迹 17">
@@ -12825,8 +13081,8 @@
             </p:pic>
           </mc:Fallback>
         </mc:AlternateContent>
-        <mc:AlternateContent xmlns:mc="http://schemas.openxmlformats.org/markup-compatibility/2006">
-          <mc:Choice xmlns:p14="http://schemas.microsoft.com/office/powerpoint/2010/main" Requires="p14">
+        <mc:AlternateContent xmlns:mc="http://schemas.openxmlformats.org/markup-compatibility/2006" xmlns:p14="http://schemas.microsoft.com/office/powerpoint/2010/main">
+          <mc:Choice Requires="p14">
             <p:contentPart p14:bwMode="auto" r:id="rId21">
               <p14:nvContentPartPr>
                 <p14:cNvPr id="22" name="墨迹 21">
@@ -12845,7 +13101,7 @@
               </p14:xfrm>
             </p:contentPart>
           </mc:Choice>
-          <mc:Fallback>
+          <mc:Fallback xmlns="">
             <p:pic>
               <p:nvPicPr>
                 <p:cNvPr id="22" name="墨迹 21">
@@ -12876,8 +13132,8 @@
             </p:pic>
           </mc:Fallback>
         </mc:AlternateContent>
-        <mc:AlternateContent xmlns:mc="http://schemas.openxmlformats.org/markup-compatibility/2006">
-          <mc:Choice xmlns:p14="http://schemas.microsoft.com/office/powerpoint/2010/main" Requires="p14">
+        <mc:AlternateContent xmlns:mc="http://schemas.openxmlformats.org/markup-compatibility/2006" xmlns:p14="http://schemas.microsoft.com/office/powerpoint/2010/main">
+          <mc:Choice Requires="p14">
             <p:contentPart p14:bwMode="auto" r:id="rId23">
               <p14:nvContentPartPr>
                 <p14:cNvPr id="23" name="墨迹 22">
@@ -12896,7 +13152,7 @@
               </p14:xfrm>
             </p:contentPart>
           </mc:Choice>
-          <mc:Fallback>
+          <mc:Fallback xmlns="">
             <p:pic>
               <p:nvPicPr>
                 <p:cNvPr id="23" name="墨迹 22">
@@ -12927,8 +13183,8 @@
             </p:pic>
           </mc:Fallback>
         </mc:AlternateContent>
-        <mc:AlternateContent xmlns:mc="http://schemas.openxmlformats.org/markup-compatibility/2006">
-          <mc:Choice xmlns:p14="http://schemas.microsoft.com/office/powerpoint/2010/main" Requires="p14">
+        <mc:AlternateContent xmlns:mc="http://schemas.openxmlformats.org/markup-compatibility/2006" xmlns:p14="http://schemas.microsoft.com/office/powerpoint/2010/main">
+          <mc:Choice Requires="p14">
             <p:contentPart p14:bwMode="auto" r:id="rId25">
               <p14:nvContentPartPr>
                 <p14:cNvPr id="24" name="墨迹 23">
@@ -12947,7 +13203,7 @@
               </p14:xfrm>
             </p:contentPart>
           </mc:Choice>
-          <mc:Fallback>
+          <mc:Fallback xmlns="">
             <p:pic>
               <p:nvPicPr>
                 <p:cNvPr id="24" name="墨迹 23">
@@ -12978,8 +13234,8 @@
             </p:pic>
           </mc:Fallback>
         </mc:AlternateContent>
-        <mc:AlternateContent xmlns:mc="http://schemas.openxmlformats.org/markup-compatibility/2006">
-          <mc:Choice xmlns:p14="http://schemas.microsoft.com/office/powerpoint/2010/main" Requires="p14">
+        <mc:AlternateContent xmlns:mc="http://schemas.openxmlformats.org/markup-compatibility/2006" xmlns:p14="http://schemas.microsoft.com/office/powerpoint/2010/main">
+          <mc:Choice Requires="p14">
             <p:contentPart p14:bwMode="auto" r:id="rId27">
               <p14:nvContentPartPr>
                 <p14:cNvPr id="25" name="墨迹 24">
@@ -12998,7 +13254,7 @@
               </p14:xfrm>
             </p:contentPart>
           </mc:Choice>
-          <mc:Fallback>
+          <mc:Fallback xmlns="">
             <p:pic>
               <p:nvPicPr>
                 <p:cNvPr id="25" name="墨迹 24">
@@ -13029,8 +13285,8 @@
             </p:pic>
           </mc:Fallback>
         </mc:AlternateContent>
-        <mc:AlternateContent xmlns:mc="http://schemas.openxmlformats.org/markup-compatibility/2006">
-          <mc:Choice xmlns:p14="http://schemas.microsoft.com/office/powerpoint/2010/main" Requires="p14">
+        <mc:AlternateContent xmlns:mc="http://schemas.openxmlformats.org/markup-compatibility/2006" xmlns:p14="http://schemas.microsoft.com/office/powerpoint/2010/main">
+          <mc:Choice Requires="p14">
             <p:contentPart p14:bwMode="auto" r:id="rId29">
               <p14:nvContentPartPr>
                 <p14:cNvPr id="26" name="墨迹 25">
@@ -13049,7 +13305,7 @@
               </p14:xfrm>
             </p:contentPart>
           </mc:Choice>
-          <mc:Fallback>
+          <mc:Fallback xmlns="">
             <p:pic>
               <p:nvPicPr>
                 <p:cNvPr id="26" name="墨迹 25">
@@ -13080,8 +13336,8 @@
             </p:pic>
           </mc:Fallback>
         </mc:AlternateContent>
-        <mc:AlternateContent xmlns:mc="http://schemas.openxmlformats.org/markup-compatibility/2006">
-          <mc:Choice xmlns:p14="http://schemas.microsoft.com/office/powerpoint/2010/main" Requires="p14">
+        <mc:AlternateContent xmlns:mc="http://schemas.openxmlformats.org/markup-compatibility/2006" xmlns:p14="http://schemas.microsoft.com/office/powerpoint/2010/main">
+          <mc:Choice Requires="p14">
             <p:contentPart p14:bwMode="auto" r:id="rId31">
               <p14:nvContentPartPr>
                 <p14:cNvPr id="27" name="墨迹 26">
@@ -13100,7 +13356,7 @@
               </p14:xfrm>
             </p:contentPart>
           </mc:Choice>
-          <mc:Fallback>
+          <mc:Fallback xmlns="">
             <p:pic>
               <p:nvPicPr>
                 <p:cNvPr id="27" name="墨迹 26">
@@ -13131,8 +13387,8 @@
             </p:pic>
           </mc:Fallback>
         </mc:AlternateContent>
-        <mc:AlternateContent xmlns:mc="http://schemas.openxmlformats.org/markup-compatibility/2006">
-          <mc:Choice xmlns:p14="http://schemas.microsoft.com/office/powerpoint/2010/main" Requires="p14">
+        <mc:AlternateContent xmlns:mc="http://schemas.openxmlformats.org/markup-compatibility/2006" xmlns:p14="http://schemas.microsoft.com/office/powerpoint/2010/main">
+          <mc:Choice Requires="p14">
             <p:contentPart p14:bwMode="auto" r:id="rId33">
               <p14:nvContentPartPr>
                 <p14:cNvPr id="28" name="墨迹 27">
@@ -13151,7 +13407,7 @@
               </p14:xfrm>
             </p:contentPart>
           </mc:Choice>
-          <mc:Fallback>
+          <mc:Fallback xmlns="">
             <p:pic>
               <p:nvPicPr>
                 <p:cNvPr id="28" name="墨迹 27">
@@ -13377,8 +13633,8 @@
             <a:chExt cx="1172520" cy="508680"/>
           </a:xfrm>
         </p:grpSpPr>
-        <mc:AlternateContent xmlns:mc="http://schemas.openxmlformats.org/markup-compatibility/2006">
-          <mc:Choice xmlns:p14="http://schemas.microsoft.com/office/powerpoint/2010/main" Requires="p14">
+        <mc:AlternateContent xmlns:mc="http://schemas.openxmlformats.org/markup-compatibility/2006" xmlns:p14="http://schemas.microsoft.com/office/powerpoint/2010/main">
+          <mc:Choice Requires="p14">
             <p:contentPart p14:bwMode="auto" r:id="rId2">
               <p14:nvContentPartPr>
                 <p14:cNvPr id="3" name="墨迹 2">
@@ -13397,7 +13653,7 @@
               </p14:xfrm>
             </p:contentPart>
           </mc:Choice>
-          <mc:Fallback>
+          <mc:Fallback xmlns="">
             <p:pic>
               <p:nvPicPr>
                 <p:cNvPr id="3" name="墨迹 2">
@@ -13428,8 +13684,8 @@
             </p:pic>
           </mc:Fallback>
         </mc:AlternateContent>
-        <mc:AlternateContent xmlns:mc="http://schemas.openxmlformats.org/markup-compatibility/2006">
-          <mc:Choice xmlns:p14="http://schemas.microsoft.com/office/powerpoint/2010/main" Requires="p14">
+        <mc:AlternateContent xmlns:mc="http://schemas.openxmlformats.org/markup-compatibility/2006" xmlns:p14="http://schemas.microsoft.com/office/powerpoint/2010/main">
+          <mc:Choice Requires="p14">
             <p:contentPart p14:bwMode="auto" r:id="rId4">
               <p14:nvContentPartPr>
                 <p14:cNvPr id="6" name="墨迹 5">
@@ -13448,7 +13704,7 @@
               </p14:xfrm>
             </p:contentPart>
           </mc:Choice>
-          <mc:Fallback>
+          <mc:Fallback xmlns="">
             <p:pic>
               <p:nvPicPr>
                 <p:cNvPr id="6" name="墨迹 5">
@@ -13479,8 +13735,8 @@
             </p:pic>
           </mc:Fallback>
         </mc:AlternateContent>
-        <mc:AlternateContent xmlns:mc="http://schemas.openxmlformats.org/markup-compatibility/2006">
-          <mc:Choice xmlns:p14="http://schemas.microsoft.com/office/powerpoint/2010/main" Requires="p14">
+        <mc:AlternateContent xmlns:mc="http://schemas.openxmlformats.org/markup-compatibility/2006" xmlns:p14="http://schemas.microsoft.com/office/powerpoint/2010/main">
+          <mc:Choice Requires="p14">
             <p:contentPart p14:bwMode="auto" r:id="rId6">
               <p14:nvContentPartPr>
                 <p14:cNvPr id="7" name="墨迹 6">
@@ -13499,7 +13755,7 @@
               </p14:xfrm>
             </p:contentPart>
           </mc:Choice>
-          <mc:Fallback>
+          <mc:Fallback xmlns="">
             <p:pic>
               <p:nvPicPr>
                 <p:cNvPr id="7" name="墨迹 6">
@@ -13530,8 +13786,8 @@
             </p:pic>
           </mc:Fallback>
         </mc:AlternateContent>
-        <mc:AlternateContent xmlns:mc="http://schemas.openxmlformats.org/markup-compatibility/2006">
-          <mc:Choice xmlns:p14="http://schemas.microsoft.com/office/powerpoint/2010/main" Requires="p14">
+        <mc:AlternateContent xmlns:mc="http://schemas.openxmlformats.org/markup-compatibility/2006" xmlns:p14="http://schemas.microsoft.com/office/powerpoint/2010/main">
+          <mc:Choice Requires="p14">
             <p:contentPart p14:bwMode="auto" r:id="rId8">
               <p14:nvContentPartPr>
                 <p14:cNvPr id="8" name="墨迹 7">
@@ -13550,7 +13806,7 @@
               </p14:xfrm>
             </p:contentPart>
           </mc:Choice>
-          <mc:Fallback>
+          <mc:Fallback xmlns="">
             <p:pic>
               <p:nvPicPr>
                 <p:cNvPr id="8" name="墨迹 7">
@@ -13581,8 +13837,8 @@
             </p:pic>
           </mc:Fallback>
         </mc:AlternateContent>
-        <mc:AlternateContent xmlns:mc="http://schemas.openxmlformats.org/markup-compatibility/2006">
-          <mc:Choice xmlns:p14="http://schemas.microsoft.com/office/powerpoint/2010/main" Requires="p14">
+        <mc:AlternateContent xmlns:mc="http://schemas.openxmlformats.org/markup-compatibility/2006" xmlns:p14="http://schemas.microsoft.com/office/powerpoint/2010/main">
+          <mc:Choice Requires="p14">
             <p:contentPart p14:bwMode="auto" r:id="rId10">
               <p14:nvContentPartPr>
                 <p14:cNvPr id="9" name="墨迹 8">
@@ -13601,7 +13857,7 @@
               </p14:xfrm>
             </p:contentPart>
           </mc:Choice>
-          <mc:Fallback>
+          <mc:Fallback xmlns="">
             <p:pic>
               <p:nvPicPr>
                 <p:cNvPr id="9" name="墨迹 8">
@@ -13632,8 +13888,8 @@
             </p:pic>
           </mc:Fallback>
         </mc:AlternateContent>
-        <mc:AlternateContent xmlns:mc="http://schemas.openxmlformats.org/markup-compatibility/2006">
-          <mc:Choice xmlns:p14="http://schemas.microsoft.com/office/powerpoint/2010/main" Requires="p14">
+        <mc:AlternateContent xmlns:mc="http://schemas.openxmlformats.org/markup-compatibility/2006" xmlns:p14="http://schemas.microsoft.com/office/powerpoint/2010/main">
+          <mc:Choice Requires="p14">
             <p:contentPart p14:bwMode="auto" r:id="rId12">
               <p14:nvContentPartPr>
                 <p14:cNvPr id="10" name="墨迹 9">
@@ -13652,7 +13908,7 @@
               </p14:xfrm>
             </p:contentPart>
           </mc:Choice>
-          <mc:Fallback>
+          <mc:Fallback xmlns="">
             <p:pic>
               <p:nvPicPr>
                 <p:cNvPr id="10" name="墨迹 9">
@@ -13683,8 +13939,8 @@
             </p:pic>
           </mc:Fallback>
         </mc:AlternateContent>
-        <mc:AlternateContent xmlns:mc="http://schemas.openxmlformats.org/markup-compatibility/2006">
-          <mc:Choice xmlns:p14="http://schemas.microsoft.com/office/powerpoint/2010/main" Requires="p14">
+        <mc:AlternateContent xmlns:mc="http://schemas.openxmlformats.org/markup-compatibility/2006" xmlns:p14="http://schemas.microsoft.com/office/powerpoint/2010/main">
+          <mc:Choice Requires="p14">
             <p:contentPart p14:bwMode="auto" r:id="rId14">
               <p14:nvContentPartPr>
                 <p14:cNvPr id="11" name="墨迹 10">
@@ -13703,7 +13959,7 @@
               </p14:xfrm>
             </p:contentPart>
           </mc:Choice>
-          <mc:Fallback>
+          <mc:Fallback xmlns="">
             <p:pic>
               <p:nvPicPr>
                 <p:cNvPr id="11" name="墨迹 10">
@@ -13734,8 +13990,8 @@
             </p:pic>
           </mc:Fallback>
         </mc:AlternateContent>
-        <mc:AlternateContent xmlns:mc="http://schemas.openxmlformats.org/markup-compatibility/2006">
-          <mc:Choice xmlns:p14="http://schemas.microsoft.com/office/powerpoint/2010/main" Requires="p14">
+        <mc:AlternateContent xmlns:mc="http://schemas.openxmlformats.org/markup-compatibility/2006" xmlns:p14="http://schemas.microsoft.com/office/powerpoint/2010/main">
+          <mc:Choice Requires="p14">
             <p:contentPart p14:bwMode="auto" r:id="rId16">
               <p14:nvContentPartPr>
                 <p14:cNvPr id="12" name="墨迹 11">
@@ -13754,7 +14010,7 @@
               </p14:xfrm>
             </p:contentPart>
           </mc:Choice>
-          <mc:Fallback>
+          <mc:Fallback xmlns="">
             <p:pic>
               <p:nvPicPr>
                 <p:cNvPr id="12" name="墨迹 11">
@@ -13785,8 +14041,8 @@
             </p:pic>
           </mc:Fallback>
         </mc:AlternateContent>
-        <mc:AlternateContent xmlns:mc="http://schemas.openxmlformats.org/markup-compatibility/2006">
-          <mc:Choice xmlns:p14="http://schemas.microsoft.com/office/powerpoint/2010/main" Requires="p14">
+        <mc:AlternateContent xmlns:mc="http://schemas.openxmlformats.org/markup-compatibility/2006" xmlns:p14="http://schemas.microsoft.com/office/powerpoint/2010/main">
+          <mc:Choice Requires="p14">
             <p:contentPart p14:bwMode="auto" r:id="rId18">
               <p14:nvContentPartPr>
                 <p14:cNvPr id="13" name="墨迹 12">
@@ -13805,7 +14061,7 @@
               </p14:xfrm>
             </p:contentPart>
           </mc:Choice>
-          <mc:Fallback>
+          <mc:Fallback xmlns="">
             <p:pic>
               <p:nvPicPr>
                 <p:cNvPr id="13" name="墨迹 12">
@@ -13837,8 +14093,8 @@
           </mc:Fallback>
         </mc:AlternateContent>
       </p:grpSp>
-      <mc:AlternateContent xmlns:mc="http://schemas.openxmlformats.org/markup-compatibility/2006">
-        <mc:Choice xmlns:p14="http://schemas.microsoft.com/office/powerpoint/2010/main" Requires="p14">
+      <mc:AlternateContent xmlns:mc="http://schemas.openxmlformats.org/markup-compatibility/2006" xmlns:p14="http://schemas.microsoft.com/office/powerpoint/2010/main">
+        <mc:Choice Requires="p14">
           <p:contentPart p14:bwMode="auto" r:id="rId20">
             <p14:nvContentPartPr>
               <p14:cNvPr id="14" name="墨迹 13">
@@ -13857,7 +14113,7 @@
             </p14:xfrm>
           </p:contentPart>
         </mc:Choice>
-        <mc:Fallback>
+        <mc:Fallback xmlns="">
           <p:pic>
             <p:nvPicPr>
               <p:cNvPr id="14" name="墨迹 13">
@@ -15286,8 +15542,8 @@
           </a:p>
         </p:txBody>
       </p:sp>
-      <mc:AlternateContent xmlns:mc="http://schemas.openxmlformats.org/markup-compatibility/2006">
-        <mc:Choice xmlns:p14="http://schemas.microsoft.com/office/powerpoint/2010/main" Requires="p14">
+      <mc:AlternateContent xmlns:mc="http://schemas.openxmlformats.org/markup-compatibility/2006" xmlns:p14="http://schemas.microsoft.com/office/powerpoint/2010/main">
+        <mc:Choice Requires="p14">
           <p:contentPart p14:bwMode="auto" r:id="rId3">
             <p14:nvContentPartPr>
               <p14:cNvPr id="3" name="墨迹 2">
@@ -15306,7 +15562,7 @@
             </p14:xfrm>
           </p:contentPart>
         </mc:Choice>
-        <mc:Fallback>
+        <mc:Fallback xmlns="">
           <p:pic>
             <p:nvPicPr>
               <p:cNvPr id="3" name="墨迹 2">
@@ -16514,8 +16770,8 @@
             <a:chExt cx="2328840" cy="1336680"/>
           </a:xfrm>
         </p:grpSpPr>
-        <mc:AlternateContent xmlns:mc="http://schemas.openxmlformats.org/markup-compatibility/2006">
-          <mc:Choice xmlns:p14="http://schemas.microsoft.com/office/powerpoint/2010/main" Requires="p14">
+        <mc:AlternateContent xmlns:mc="http://schemas.openxmlformats.org/markup-compatibility/2006" xmlns:p14="http://schemas.microsoft.com/office/powerpoint/2010/main">
+          <mc:Choice Requires="p14">
             <p:contentPart p14:bwMode="auto" r:id="rId3">
               <p14:nvContentPartPr>
                 <p14:cNvPr id="3" name="墨迹 2">
@@ -16534,7 +16790,7 @@
               </p14:xfrm>
             </p:contentPart>
           </mc:Choice>
-          <mc:Fallback>
+          <mc:Fallback xmlns="">
             <p:pic>
               <p:nvPicPr>
                 <p:cNvPr id="3" name="墨迹 2">
@@ -16565,8 +16821,8 @@
             </p:pic>
           </mc:Fallback>
         </mc:AlternateContent>
-        <mc:AlternateContent xmlns:mc="http://schemas.openxmlformats.org/markup-compatibility/2006">
-          <mc:Choice xmlns:p14="http://schemas.microsoft.com/office/powerpoint/2010/main" Requires="p14">
+        <mc:AlternateContent xmlns:mc="http://schemas.openxmlformats.org/markup-compatibility/2006" xmlns:p14="http://schemas.microsoft.com/office/powerpoint/2010/main">
+          <mc:Choice Requires="p14">
             <p:contentPart p14:bwMode="auto" r:id="rId5">
               <p14:nvContentPartPr>
                 <p14:cNvPr id="10" name="墨迹 9">
@@ -16585,7 +16841,7 @@
               </p14:xfrm>
             </p:contentPart>
           </mc:Choice>
-          <mc:Fallback>
+          <mc:Fallback xmlns="">
             <p:pic>
               <p:nvPicPr>
                 <p:cNvPr id="10" name="墨迹 9">
@@ -16616,8 +16872,8 @@
             </p:pic>
           </mc:Fallback>
         </mc:AlternateContent>
-        <mc:AlternateContent xmlns:mc="http://schemas.openxmlformats.org/markup-compatibility/2006">
-          <mc:Choice xmlns:p14="http://schemas.microsoft.com/office/powerpoint/2010/main" Requires="p14">
+        <mc:AlternateContent xmlns:mc="http://schemas.openxmlformats.org/markup-compatibility/2006" xmlns:p14="http://schemas.microsoft.com/office/powerpoint/2010/main">
+          <mc:Choice Requires="p14">
             <p:contentPart p14:bwMode="auto" r:id="rId7">
               <p14:nvContentPartPr>
                 <p14:cNvPr id="11" name="墨迹 10">
@@ -16636,7 +16892,7 @@
               </p14:xfrm>
             </p:contentPart>
           </mc:Choice>
-          <mc:Fallback>
+          <mc:Fallback xmlns="">
             <p:pic>
               <p:nvPicPr>
                 <p:cNvPr id="11" name="墨迹 10">
@@ -16667,8 +16923,8 @@
             </p:pic>
           </mc:Fallback>
         </mc:AlternateContent>
-        <mc:AlternateContent xmlns:mc="http://schemas.openxmlformats.org/markup-compatibility/2006">
-          <mc:Choice xmlns:p14="http://schemas.microsoft.com/office/powerpoint/2010/main" Requires="p14">
+        <mc:AlternateContent xmlns:mc="http://schemas.openxmlformats.org/markup-compatibility/2006" xmlns:p14="http://schemas.microsoft.com/office/powerpoint/2010/main">
+          <mc:Choice Requires="p14">
             <p:contentPart p14:bwMode="auto" r:id="rId9">
               <p14:nvContentPartPr>
                 <p14:cNvPr id="13" name="墨迹 12">
@@ -16687,7 +16943,7 @@
               </p14:xfrm>
             </p:contentPart>
           </mc:Choice>
-          <mc:Fallback>
+          <mc:Fallback xmlns="">
             <p:pic>
               <p:nvPicPr>
                 <p:cNvPr id="13" name="墨迹 12">
@@ -16718,8 +16974,8 @@
             </p:pic>
           </mc:Fallback>
         </mc:AlternateContent>
-        <mc:AlternateContent xmlns:mc="http://schemas.openxmlformats.org/markup-compatibility/2006">
-          <mc:Choice xmlns:p14="http://schemas.microsoft.com/office/powerpoint/2010/main" Requires="p14">
+        <mc:AlternateContent xmlns:mc="http://schemas.openxmlformats.org/markup-compatibility/2006" xmlns:p14="http://schemas.microsoft.com/office/powerpoint/2010/main">
+          <mc:Choice Requires="p14">
             <p:contentPart p14:bwMode="auto" r:id="rId11">
               <p14:nvContentPartPr>
                 <p14:cNvPr id="15" name="墨迹 14">
@@ -16738,7 +16994,7 @@
               </p14:xfrm>
             </p:contentPart>
           </mc:Choice>
-          <mc:Fallback>
+          <mc:Fallback xmlns="">
             <p:pic>
               <p:nvPicPr>
                 <p:cNvPr id="15" name="墨迹 14">
@@ -16769,8 +17025,8 @@
             </p:pic>
           </mc:Fallback>
         </mc:AlternateContent>
-        <mc:AlternateContent xmlns:mc="http://schemas.openxmlformats.org/markup-compatibility/2006">
-          <mc:Choice xmlns:p14="http://schemas.microsoft.com/office/powerpoint/2010/main" Requires="p14">
+        <mc:AlternateContent xmlns:mc="http://schemas.openxmlformats.org/markup-compatibility/2006" xmlns:p14="http://schemas.microsoft.com/office/powerpoint/2010/main">
+          <mc:Choice Requires="p14">
             <p:contentPart p14:bwMode="auto" r:id="rId13">
               <p14:nvContentPartPr>
                 <p14:cNvPr id="16" name="墨迹 15">
@@ -16789,7 +17045,7 @@
               </p14:xfrm>
             </p:contentPart>
           </mc:Choice>
-          <mc:Fallback>
+          <mc:Fallback xmlns="">
             <p:pic>
               <p:nvPicPr>
                 <p:cNvPr id="16" name="墨迹 15">
@@ -16820,8 +17076,8 @@
             </p:pic>
           </mc:Fallback>
         </mc:AlternateContent>
-        <mc:AlternateContent xmlns:mc="http://schemas.openxmlformats.org/markup-compatibility/2006">
-          <mc:Choice xmlns:p14="http://schemas.microsoft.com/office/powerpoint/2010/main" Requires="p14">
+        <mc:AlternateContent xmlns:mc="http://schemas.openxmlformats.org/markup-compatibility/2006" xmlns:p14="http://schemas.microsoft.com/office/powerpoint/2010/main">
+          <mc:Choice Requires="p14">
             <p:contentPart p14:bwMode="auto" r:id="rId15">
               <p14:nvContentPartPr>
                 <p14:cNvPr id="18" name="墨迹 17">
@@ -16840,7 +17096,7 @@
               </p14:xfrm>
             </p:contentPart>
           </mc:Choice>
-          <mc:Fallback>
+          <mc:Fallback xmlns="">
             <p:pic>
               <p:nvPicPr>
                 <p:cNvPr id="18" name="墨迹 17">
@@ -16871,8 +17127,8 @@
             </p:pic>
           </mc:Fallback>
         </mc:AlternateContent>
-        <mc:AlternateContent xmlns:mc="http://schemas.openxmlformats.org/markup-compatibility/2006">
-          <mc:Choice xmlns:p14="http://schemas.microsoft.com/office/powerpoint/2010/main" Requires="p14">
+        <mc:AlternateContent xmlns:mc="http://schemas.openxmlformats.org/markup-compatibility/2006" xmlns:p14="http://schemas.microsoft.com/office/powerpoint/2010/main">
+          <mc:Choice Requires="p14">
             <p:contentPart p14:bwMode="auto" r:id="rId17">
               <p14:nvContentPartPr>
                 <p14:cNvPr id="19" name="墨迹 18">
@@ -16891,7 +17147,7 @@
               </p14:xfrm>
             </p:contentPart>
           </mc:Choice>
-          <mc:Fallback>
+          <mc:Fallback xmlns="">
             <p:pic>
               <p:nvPicPr>
                 <p:cNvPr id="19" name="墨迹 18">
@@ -16922,8 +17178,8 @@
             </p:pic>
           </mc:Fallback>
         </mc:AlternateContent>
-        <mc:AlternateContent xmlns:mc="http://schemas.openxmlformats.org/markup-compatibility/2006">
-          <mc:Choice xmlns:p14="http://schemas.microsoft.com/office/powerpoint/2010/main" Requires="p14">
+        <mc:AlternateContent xmlns:mc="http://schemas.openxmlformats.org/markup-compatibility/2006" xmlns:p14="http://schemas.microsoft.com/office/powerpoint/2010/main">
+          <mc:Choice Requires="p14">
             <p:contentPart p14:bwMode="auto" r:id="rId19">
               <p14:nvContentPartPr>
                 <p14:cNvPr id="21" name="墨迹 20">
@@ -16942,7 +17198,7 @@
               </p14:xfrm>
             </p:contentPart>
           </mc:Choice>
-          <mc:Fallback>
+          <mc:Fallback xmlns="">
             <p:pic>
               <p:nvPicPr>
                 <p:cNvPr id="21" name="墨迹 20">
@@ -16973,8 +17229,8 @@
             </p:pic>
           </mc:Fallback>
         </mc:AlternateContent>
-        <mc:AlternateContent xmlns:mc="http://schemas.openxmlformats.org/markup-compatibility/2006">
-          <mc:Choice xmlns:p14="http://schemas.microsoft.com/office/powerpoint/2010/main" Requires="p14">
+        <mc:AlternateContent xmlns:mc="http://schemas.openxmlformats.org/markup-compatibility/2006" xmlns:p14="http://schemas.microsoft.com/office/powerpoint/2010/main">
+          <mc:Choice Requires="p14">
             <p:contentPart p14:bwMode="auto" r:id="rId21">
               <p14:nvContentPartPr>
                 <p14:cNvPr id="23" name="墨迹 22">
@@ -16993,7 +17249,7 @@
               </p14:xfrm>
             </p:contentPart>
           </mc:Choice>
-          <mc:Fallback>
+          <mc:Fallback xmlns="">
             <p:pic>
               <p:nvPicPr>
                 <p:cNvPr id="23" name="墨迹 22">
@@ -17024,8 +17280,8 @@
             </p:pic>
           </mc:Fallback>
         </mc:AlternateContent>
-        <mc:AlternateContent xmlns:mc="http://schemas.openxmlformats.org/markup-compatibility/2006">
-          <mc:Choice xmlns:p14="http://schemas.microsoft.com/office/powerpoint/2010/main" Requires="p14">
+        <mc:AlternateContent xmlns:mc="http://schemas.openxmlformats.org/markup-compatibility/2006" xmlns:p14="http://schemas.microsoft.com/office/powerpoint/2010/main">
+          <mc:Choice Requires="p14">
             <p:contentPart p14:bwMode="auto" r:id="rId23">
               <p14:nvContentPartPr>
                 <p14:cNvPr id="24" name="墨迹 23">
@@ -17044,7 +17300,7 @@
               </p14:xfrm>
             </p:contentPart>
           </mc:Choice>
-          <mc:Fallback>
+          <mc:Fallback xmlns="">
             <p:pic>
               <p:nvPicPr>
                 <p:cNvPr id="24" name="墨迹 23">
@@ -17075,8 +17331,8 @@
             </p:pic>
           </mc:Fallback>
         </mc:AlternateContent>
-        <mc:AlternateContent xmlns:mc="http://schemas.openxmlformats.org/markup-compatibility/2006">
-          <mc:Choice xmlns:p14="http://schemas.microsoft.com/office/powerpoint/2010/main" Requires="p14">
+        <mc:AlternateContent xmlns:mc="http://schemas.openxmlformats.org/markup-compatibility/2006" xmlns:p14="http://schemas.microsoft.com/office/powerpoint/2010/main">
+          <mc:Choice Requires="p14">
             <p:contentPart p14:bwMode="auto" r:id="rId25">
               <p14:nvContentPartPr>
                 <p14:cNvPr id="25" name="墨迹 24">
@@ -17095,7 +17351,7 @@
               </p14:xfrm>
             </p:contentPart>
           </mc:Choice>
-          <mc:Fallback>
+          <mc:Fallback xmlns="">
             <p:pic>
               <p:nvPicPr>
                 <p:cNvPr id="25" name="墨迹 24">
@@ -17126,8 +17382,8 @@
             </p:pic>
           </mc:Fallback>
         </mc:AlternateContent>
-        <mc:AlternateContent xmlns:mc="http://schemas.openxmlformats.org/markup-compatibility/2006">
-          <mc:Choice xmlns:p14="http://schemas.microsoft.com/office/powerpoint/2010/main" Requires="p14">
+        <mc:AlternateContent xmlns:mc="http://schemas.openxmlformats.org/markup-compatibility/2006" xmlns:p14="http://schemas.microsoft.com/office/powerpoint/2010/main">
+          <mc:Choice Requires="p14">
             <p:contentPart p14:bwMode="auto" r:id="rId27">
               <p14:nvContentPartPr>
                 <p14:cNvPr id="26" name="墨迹 25">
@@ -17146,7 +17402,7 @@
               </p14:xfrm>
             </p:contentPart>
           </mc:Choice>
-          <mc:Fallback>
+          <mc:Fallback xmlns="">
             <p:pic>
               <p:nvPicPr>
                 <p:cNvPr id="26" name="墨迹 25">
@@ -17177,8 +17433,8 @@
             </p:pic>
           </mc:Fallback>
         </mc:AlternateContent>
-        <mc:AlternateContent xmlns:mc="http://schemas.openxmlformats.org/markup-compatibility/2006">
-          <mc:Choice xmlns:p14="http://schemas.microsoft.com/office/powerpoint/2010/main" Requires="p14">
+        <mc:AlternateContent xmlns:mc="http://schemas.openxmlformats.org/markup-compatibility/2006" xmlns:p14="http://schemas.microsoft.com/office/powerpoint/2010/main">
+          <mc:Choice Requires="p14">
             <p:contentPart p14:bwMode="auto" r:id="rId29">
               <p14:nvContentPartPr>
                 <p14:cNvPr id="27" name="墨迹 26">
@@ -17197,7 +17453,7 @@
               </p14:xfrm>
             </p:contentPart>
           </mc:Choice>
-          <mc:Fallback>
+          <mc:Fallback xmlns="">
             <p:pic>
               <p:nvPicPr>
                 <p:cNvPr id="27" name="墨迹 26">
@@ -17228,8 +17484,8 @@
             </p:pic>
           </mc:Fallback>
         </mc:AlternateContent>
-        <mc:AlternateContent xmlns:mc="http://schemas.openxmlformats.org/markup-compatibility/2006">
-          <mc:Choice xmlns:p14="http://schemas.microsoft.com/office/powerpoint/2010/main" Requires="p14">
+        <mc:AlternateContent xmlns:mc="http://schemas.openxmlformats.org/markup-compatibility/2006" xmlns:p14="http://schemas.microsoft.com/office/powerpoint/2010/main">
+          <mc:Choice Requires="p14">
             <p:contentPart p14:bwMode="auto" r:id="rId31">
               <p14:nvContentPartPr>
                 <p14:cNvPr id="28" name="墨迹 27">
@@ -17248,7 +17504,7 @@
               </p14:xfrm>
             </p:contentPart>
           </mc:Choice>
-          <mc:Fallback>
+          <mc:Fallback xmlns="">
             <p:pic>
               <p:nvPicPr>
                 <p:cNvPr id="28" name="墨迹 27">
@@ -17279,8 +17535,8 @@
             </p:pic>
           </mc:Fallback>
         </mc:AlternateContent>
-        <mc:AlternateContent xmlns:mc="http://schemas.openxmlformats.org/markup-compatibility/2006">
-          <mc:Choice xmlns:p14="http://schemas.microsoft.com/office/powerpoint/2010/main" Requires="p14">
+        <mc:AlternateContent xmlns:mc="http://schemas.openxmlformats.org/markup-compatibility/2006" xmlns:p14="http://schemas.microsoft.com/office/powerpoint/2010/main">
+          <mc:Choice Requires="p14">
             <p:contentPart p14:bwMode="auto" r:id="rId33">
               <p14:nvContentPartPr>
                 <p14:cNvPr id="29" name="墨迹 28">
@@ -17299,7 +17555,7 @@
               </p14:xfrm>
             </p:contentPart>
           </mc:Choice>
-          <mc:Fallback>
+          <mc:Fallback xmlns="">
             <p:pic>
               <p:nvPicPr>
                 <p:cNvPr id="29" name="墨迹 28">
@@ -17330,8 +17586,8 @@
             </p:pic>
           </mc:Fallback>
         </mc:AlternateContent>
-        <mc:AlternateContent xmlns:mc="http://schemas.openxmlformats.org/markup-compatibility/2006">
-          <mc:Choice xmlns:p14="http://schemas.microsoft.com/office/powerpoint/2010/main" Requires="p14">
+        <mc:AlternateContent xmlns:mc="http://schemas.openxmlformats.org/markup-compatibility/2006" xmlns:p14="http://schemas.microsoft.com/office/powerpoint/2010/main">
+          <mc:Choice Requires="p14">
             <p:contentPart p14:bwMode="auto" r:id="rId35">
               <p14:nvContentPartPr>
                 <p14:cNvPr id="30" name="墨迹 29">
@@ -17350,7 +17606,7 @@
               </p14:xfrm>
             </p:contentPart>
           </mc:Choice>
-          <mc:Fallback>
+          <mc:Fallback xmlns="">
             <p:pic>
               <p:nvPicPr>
                 <p:cNvPr id="30" name="墨迹 29">
@@ -17381,8 +17637,8 @@
             </p:pic>
           </mc:Fallback>
         </mc:AlternateContent>
-        <mc:AlternateContent xmlns:mc="http://schemas.openxmlformats.org/markup-compatibility/2006">
-          <mc:Choice xmlns:p14="http://schemas.microsoft.com/office/powerpoint/2010/main" Requires="p14">
+        <mc:AlternateContent xmlns:mc="http://schemas.openxmlformats.org/markup-compatibility/2006" xmlns:p14="http://schemas.microsoft.com/office/powerpoint/2010/main">
+          <mc:Choice Requires="p14">
             <p:contentPart p14:bwMode="auto" r:id="rId37">
               <p14:nvContentPartPr>
                 <p14:cNvPr id="31" name="墨迹 30">
@@ -17401,7 +17657,7 @@
               </p14:xfrm>
             </p:contentPart>
           </mc:Choice>
-          <mc:Fallback>
+          <mc:Fallback xmlns="">
             <p:pic>
               <p:nvPicPr>
                 <p:cNvPr id="31" name="墨迹 30">
@@ -17432,8 +17688,8 @@
             </p:pic>
           </mc:Fallback>
         </mc:AlternateContent>
-        <mc:AlternateContent xmlns:mc="http://schemas.openxmlformats.org/markup-compatibility/2006">
-          <mc:Choice xmlns:p14="http://schemas.microsoft.com/office/powerpoint/2010/main" Requires="p14">
+        <mc:AlternateContent xmlns:mc="http://schemas.openxmlformats.org/markup-compatibility/2006" xmlns:p14="http://schemas.microsoft.com/office/powerpoint/2010/main">
+          <mc:Choice Requires="p14">
             <p:contentPart p14:bwMode="auto" r:id="rId39">
               <p14:nvContentPartPr>
                 <p14:cNvPr id="32" name="墨迹 31">
@@ -17452,7 +17708,7 @@
               </p14:xfrm>
             </p:contentPart>
           </mc:Choice>
-          <mc:Fallback>
+          <mc:Fallback xmlns="">
             <p:pic>
               <p:nvPicPr>
                 <p:cNvPr id="32" name="墨迹 31">
@@ -17483,8 +17739,8 @@
             </p:pic>
           </mc:Fallback>
         </mc:AlternateContent>
-        <mc:AlternateContent xmlns:mc="http://schemas.openxmlformats.org/markup-compatibility/2006">
-          <mc:Choice xmlns:p14="http://schemas.microsoft.com/office/powerpoint/2010/main" Requires="p14">
+        <mc:AlternateContent xmlns:mc="http://schemas.openxmlformats.org/markup-compatibility/2006" xmlns:p14="http://schemas.microsoft.com/office/powerpoint/2010/main">
+          <mc:Choice Requires="p14">
             <p:contentPart p14:bwMode="auto" r:id="rId41">
               <p14:nvContentPartPr>
                 <p14:cNvPr id="33" name="墨迹 32">
@@ -17503,7 +17759,7 @@
               </p14:xfrm>
             </p:contentPart>
           </mc:Choice>
-          <mc:Fallback>
+          <mc:Fallback xmlns="">
             <p:pic>
               <p:nvPicPr>
                 <p:cNvPr id="33" name="墨迹 32">
@@ -17534,8 +17790,8 @@
             </p:pic>
           </mc:Fallback>
         </mc:AlternateContent>
-        <mc:AlternateContent xmlns:mc="http://schemas.openxmlformats.org/markup-compatibility/2006">
-          <mc:Choice xmlns:p14="http://schemas.microsoft.com/office/powerpoint/2010/main" Requires="p14">
+        <mc:AlternateContent xmlns:mc="http://schemas.openxmlformats.org/markup-compatibility/2006" xmlns:p14="http://schemas.microsoft.com/office/powerpoint/2010/main">
+          <mc:Choice Requires="p14">
             <p:contentPart p14:bwMode="auto" r:id="rId43">
               <p14:nvContentPartPr>
                 <p14:cNvPr id="34" name="墨迹 33">
@@ -17554,7 +17810,7 @@
               </p14:xfrm>
             </p:contentPart>
           </mc:Choice>
-          <mc:Fallback>
+          <mc:Fallback xmlns="">
             <p:pic>
               <p:nvPicPr>
                 <p:cNvPr id="34" name="墨迹 33">
@@ -17585,8 +17841,8 @@
             </p:pic>
           </mc:Fallback>
         </mc:AlternateContent>
-        <mc:AlternateContent xmlns:mc="http://schemas.openxmlformats.org/markup-compatibility/2006">
-          <mc:Choice xmlns:p14="http://schemas.microsoft.com/office/powerpoint/2010/main" Requires="p14">
+        <mc:AlternateContent xmlns:mc="http://schemas.openxmlformats.org/markup-compatibility/2006" xmlns:p14="http://schemas.microsoft.com/office/powerpoint/2010/main">
+          <mc:Choice Requires="p14">
             <p:contentPart p14:bwMode="auto" r:id="rId45">
               <p14:nvContentPartPr>
                 <p14:cNvPr id="35" name="墨迹 34">
@@ -17605,7 +17861,7 @@
               </p14:xfrm>
             </p:contentPart>
           </mc:Choice>
-          <mc:Fallback>
+          <mc:Fallback xmlns="">
             <p:pic>
               <p:nvPicPr>
                 <p:cNvPr id="35" name="墨迹 34">
@@ -17636,8 +17892,8 @@
             </p:pic>
           </mc:Fallback>
         </mc:AlternateContent>
-        <mc:AlternateContent xmlns:mc="http://schemas.openxmlformats.org/markup-compatibility/2006">
-          <mc:Choice xmlns:p14="http://schemas.microsoft.com/office/powerpoint/2010/main" Requires="p14">
+        <mc:AlternateContent xmlns:mc="http://schemas.openxmlformats.org/markup-compatibility/2006" xmlns:p14="http://schemas.microsoft.com/office/powerpoint/2010/main">
+          <mc:Choice Requires="p14">
             <p:contentPart p14:bwMode="auto" r:id="rId47">
               <p14:nvContentPartPr>
                 <p14:cNvPr id="36" name="墨迹 35">
@@ -17656,7 +17912,7 @@
               </p14:xfrm>
             </p:contentPart>
           </mc:Choice>
-          <mc:Fallback>
+          <mc:Fallback xmlns="">
             <p:pic>
               <p:nvPicPr>
                 <p:cNvPr id="36" name="墨迹 35">
@@ -17687,8 +17943,8 @@
             </p:pic>
           </mc:Fallback>
         </mc:AlternateContent>
-        <mc:AlternateContent xmlns:mc="http://schemas.openxmlformats.org/markup-compatibility/2006">
-          <mc:Choice xmlns:p14="http://schemas.microsoft.com/office/powerpoint/2010/main" Requires="p14">
+        <mc:AlternateContent xmlns:mc="http://schemas.openxmlformats.org/markup-compatibility/2006" xmlns:p14="http://schemas.microsoft.com/office/powerpoint/2010/main">
+          <mc:Choice Requires="p14">
             <p:contentPart p14:bwMode="auto" r:id="rId49">
               <p14:nvContentPartPr>
                 <p14:cNvPr id="37" name="墨迹 36">
@@ -17707,7 +17963,7 @@
               </p14:xfrm>
             </p:contentPart>
           </mc:Choice>
-          <mc:Fallback>
+          <mc:Fallback xmlns="">
             <p:pic>
               <p:nvPicPr>
                 <p:cNvPr id="37" name="墨迹 36">
@@ -17738,8 +17994,8 @@
             </p:pic>
           </mc:Fallback>
         </mc:AlternateContent>
-        <mc:AlternateContent xmlns:mc="http://schemas.openxmlformats.org/markup-compatibility/2006">
-          <mc:Choice xmlns:p14="http://schemas.microsoft.com/office/powerpoint/2010/main" Requires="p14">
+        <mc:AlternateContent xmlns:mc="http://schemas.openxmlformats.org/markup-compatibility/2006" xmlns:p14="http://schemas.microsoft.com/office/powerpoint/2010/main">
+          <mc:Choice Requires="p14">
             <p:contentPart p14:bwMode="auto" r:id="rId51">
               <p14:nvContentPartPr>
                 <p14:cNvPr id="38" name="墨迹 37">
@@ -17758,7 +18014,7 @@
               </p14:xfrm>
             </p:contentPart>
           </mc:Choice>
-          <mc:Fallback>
+          <mc:Fallback xmlns="">
             <p:pic>
               <p:nvPicPr>
                 <p:cNvPr id="38" name="墨迹 37">
@@ -21627,6 +21883,108 @@
           </a:p>
         </p:txBody>
       </p:sp>
+      <mc:AlternateContent xmlns:mc="http://schemas.openxmlformats.org/markup-compatibility/2006">
+        <mc:Choice xmlns:p14="http://schemas.microsoft.com/office/powerpoint/2010/main" Requires="p14">
+          <p:contentPart p14:bwMode="auto" r:id="rId3">
+            <p14:nvContentPartPr>
+              <p14:cNvPr id="3" name="墨迹 2">
+                <a:extLst>
+                  <a:ext uri="{FF2B5EF4-FFF2-40B4-BE49-F238E27FC236}">
+                    <a16:creationId xmlns:a16="http://schemas.microsoft.com/office/drawing/2014/main" id="{4D4EC7C1-A2C9-4DEA-302A-43CEE148C54E}"/>
+                  </a:ext>
+                </a:extLst>
+              </p14:cNvPr>
+              <p14:cNvContentPartPr/>
+              <p14:nvPr/>
+            </p14:nvContentPartPr>
+            <p14:xfrm>
+              <a:off x="168796" y="4714375"/>
+              <a:ext cx="170640" cy="1933200"/>
+            </p14:xfrm>
+          </p:contentPart>
+        </mc:Choice>
+        <mc:Fallback>
+          <p:pic>
+            <p:nvPicPr>
+              <p:cNvPr id="3" name="墨迹 2">
+                <a:extLst>
+                  <a:ext uri="{FF2B5EF4-FFF2-40B4-BE49-F238E27FC236}">
+                    <a16:creationId xmlns:a16="http://schemas.microsoft.com/office/drawing/2014/main" id="{4D4EC7C1-A2C9-4DEA-302A-43CEE148C54E}"/>
+                  </a:ext>
+                </a:extLst>
+              </p:cNvPr>
+              <p:cNvPicPr/>
+              <p:nvPr/>
+            </p:nvPicPr>
+            <p:blipFill>
+              <a:blip r:embed="rId4"/>
+              <a:stretch>
+                <a:fillRect/>
+              </a:stretch>
+            </p:blipFill>
+            <p:spPr>
+              <a:xfrm>
+                <a:off x="151156" y="4696375"/>
+                <a:ext cx="206280" cy="1968840"/>
+              </a:xfrm>
+              <a:prstGeom prst="rect">
+                <a:avLst/>
+              </a:prstGeom>
+            </p:spPr>
+          </p:pic>
+        </mc:Fallback>
+      </mc:AlternateContent>
+      <mc:AlternateContent xmlns:mc="http://schemas.openxmlformats.org/markup-compatibility/2006">
+        <mc:Choice xmlns:p14="http://schemas.microsoft.com/office/powerpoint/2010/main" Requires="p14">
+          <p:contentPart p14:bwMode="auto" r:id="rId5">
+            <p14:nvContentPartPr>
+              <p14:cNvPr id="6" name="墨迹 5">
+                <a:extLst>
+                  <a:ext uri="{FF2B5EF4-FFF2-40B4-BE49-F238E27FC236}">
+                    <a16:creationId xmlns:a16="http://schemas.microsoft.com/office/drawing/2014/main" id="{98ECEC55-B62E-F61B-110C-9D59F210C260}"/>
+                  </a:ext>
+                </a:extLst>
+              </p14:cNvPr>
+              <p14:cNvContentPartPr/>
+              <p14:nvPr/>
+            </p14:nvContentPartPr>
+            <p14:xfrm>
+              <a:off x="583516" y="4615015"/>
+              <a:ext cx="8658360" cy="2050200"/>
+            </p14:xfrm>
+          </p:contentPart>
+        </mc:Choice>
+        <mc:Fallback>
+          <p:pic>
+            <p:nvPicPr>
+              <p:cNvPr id="6" name="墨迹 5">
+                <a:extLst>
+                  <a:ext uri="{FF2B5EF4-FFF2-40B4-BE49-F238E27FC236}">
+                    <a16:creationId xmlns:a16="http://schemas.microsoft.com/office/drawing/2014/main" id="{98ECEC55-B62E-F61B-110C-9D59F210C260}"/>
+                  </a:ext>
+                </a:extLst>
+              </p:cNvPr>
+              <p:cNvPicPr/>
+              <p:nvPr/>
+            </p:nvPicPr>
+            <p:blipFill>
+              <a:blip r:embed="rId6"/>
+              <a:stretch>
+                <a:fillRect/>
+              </a:stretch>
+            </p:blipFill>
+            <p:spPr>
+              <a:xfrm>
+                <a:off x="565516" y="4597015"/>
+                <a:ext cx="8694000" cy="2085840"/>
+              </a:xfrm>
+              <a:prstGeom prst="rect">
+                <a:avLst/>
+              </a:prstGeom>
+            </p:spPr>
+          </p:pic>
+        </mc:Fallback>
+      </mc:AlternateContent>
     </p:spTree>
   </p:cSld>
   <p:clrMapOvr>
@@ -22768,6 +23126,354 @@
           </a:p>
         </p:txBody>
       </p:sp>
+      <p:grpSp>
+        <p:nvGrpSpPr>
+          <p:cNvPr id="9" name="组合 8">
+            <a:extLst>
+              <a:ext uri="{FF2B5EF4-FFF2-40B4-BE49-F238E27FC236}">
+                <a16:creationId xmlns:a16="http://schemas.microsoft.com/office/drawing/2014/main" id="{4E6420AA-0897-76EB-8F04-8543DFDD2D78}"/>
+              </a:ext>
+            </a:extLst>
+          </p:cNvPr>
+          <p:cNvGrpSpPr/>
+          <p:nvPr/>
+        </p:nvGrpSpPr>
+        <p:grpSpPr>
+          <a:xfrm>
+            <a:off x="3214036" y="2008975"/>
+            <a:ext cx="638640" cy="290520"/>
+            <a:chOff x="3214036" y="2008975"/>
+            <a:chExt cx="638640" cy="290520"/>
+          </a:xfrm>
+        </p:grpSpPr>
+        <mc:AlternateContent xmlns:mc="http://schemas.openxmlformats.org/markup-compatibility/2006">
+          <mc:Choice xmlns:p14="http://schemas.microsoft.com/office/powerpoint/2010/main" Requires="p14">
+            <p:contentPart p14:bwMode="auto" r:id="rId3">
+              <p14:nvContentPartPr>
+                <p14:cNvPr id="3" name="墨迹 2">
+                  <a:extLst>
+                    <a:ext uri="{FF2B5EF4-FFF2-40B4-BE49-F238E27FC236}">
+                      <a16:creationId xmlns:a16="http://schemas.microsoft.com/office/drawing/2014/main" id="{30E96E42-F8D8-E15A-120A-7E2A93FEB474}"/>
+                    </a:ext>
+                  </a:extLst>
+                </p14:cNvPr>
+                <p14:cNvContentPartPr/>
+                <p14:nvPr/>
+              </p14:nvContentPartPr>
+              <p14:xfrm>
+                <a:off x="3214036" y="2008975"/>
+                <a:ext cx="268920" cy="290520"/>
+              </p14:xfrm>
+            </p:contentPart>
+          </mc:Choice>
+          <mc:Fallback>
+            <p:pic>
+              <p:nvPicPr>
+                <p:cNvPr id="3" name="墨迹 2">
+                  <a:extLst>
+                    <a:ext uri="{FF2B5EF4-FFF2-40B4-BE49-F238E27FC236}">
+                      <a16:creationId xmlns:a16="http://schemas.microsoft.com/office/drawing/2014/main" id="{30E96E42-F8D8-E15A-120A-7E2A93FEB474}"/>
+                    </a:ext>
+                  </a:extLst>
+                </p:cNvPr>
+                <p:cNvPicPr/>
+                <p:nvPr/>
+              </p:nvPicPr>
+              <p:blipFill>
+                <a:blip r:embed="rId4"/>
+                <a:stretch>
+                  <a:fillRect/>
+                </a:stretch>
+              </p:blipFill>
+              <p:spPr>
+                <a:xfrm>
+                  <a:off x="3196036" y="1991335"/>
+                  <a:ext cx="304560" cy="326160"/>
+                </a:xfrm>
+                <a:prstGeom prst="rect">
+                  <a:avLst/>
+                </a:prstGeom>
+              </p:spPr>
+            </p:pic>
+          </mc:Fallback>
+        </mc:AlternateContent>
+        <mc:AlternateContent xmlns:mc="http://schemas.openxmlformats.org/markup-compatibility/2006">
+          <mc:Choice xmlns:p14="http://schemas.microsoft.com/office/powerpoint/2010/main" Requires="p14">
+            <p:contentPart p14:bwMode="auto" r:id="rId5">
+              <p14:nvContentPartPr>
+                <p14:cNvPr id="6" name="墨迹 5">
+                  <a:extLst>
+                    <a:ext uri="{FF2B5EF4-FFF2-40B4-BE49-F238E27FC236}">
+                      <a16:creationId xmlns:a16="http://schemas.microsoft.com/office/drawing/2014/main" id="{FC2A9ADB-B0A8-6A59-0949-DB41C1E3C373}"/>
+                    </a:ext>
+                  </a:extLst>
+                </p14:cNvPr>
+                <p14:cNvContentPartPr/>
+                <p14:nvPr/>
+              </p14:nvContentPartPr>
+              <p14:xfrm>
+                <a:off x="3406996" y="2121655"/>
+                <a:ext cx="320760" cy="16560"/>
+              </p14:xfrm>
+            </p:contentPart>
+          </mc:Choice>
+          <mc:Fallback>
+            <p:pic>
+              <p:nvPicPr>
+                <p:cNvPr id="6" name="墨迹 5">
+                  <a:extLst>
+                    <a:ext uri="{FF2B5EF4-FFF2-40B4-BE49-F238E27FC236}">
+                      <a16:creationId xmlns:a16="http://schemas.microsoft.com/office/drawing/2014/main" id="{FC2A9ADB-B0A8-6A59-0949-DB41C1E3C373}"/>
+                    </a:ext>
+                  </a:extLst>
+                </p:cNvPr>
+                <p:cNvPicPr/>
+                <p:nvPr/>
+              </p:nvPicPr>
+              <p:blipFill>
+                <a:blip r:embed="rId6"/>
+                <a:stretch>
+                  <a:fillRect/>
+                </a:stretch>
+              </p:blipFill>
+              <p:spPr>
+                <a:xfrm>
+                  <a:off x="3389356" y="2103655"/>
+                  <a:ext cx="356400" cy="52200"/>
+                </a:xfrm>
+                <a:prstGeom prst="rect">
+                  <a:avLst/>
+                </a:prstGeom>
+              </p:spPr>
+            </p:pic>
+          </mc:Fallback>
+        </mc:AlternateContent>
+        <mc:AlternateContent xmlns:mc="http://schemas.openxmlformats.org/markup-compatibility/2006">
+          <mc:Choice xmlns:p14="http://schemas.microsoft.com/office/powerpoint/2010/main" Requires="p14">
+            <p:contentPart p14:bwMode="auto" r:id="rId7">
+              <p14:nvContentPartPr>
+                <p14:cNvPr id="8" name="墨迹 7">
+                  <a:extLst>
+                    <a:ext uri="{FF2B5EF4-FFF2-40B4-BE49-F238E27FC236}">
+                      <a16:creationId xmlns:a16="http://schemas.microsoft.com/office/drawing/2014/main" id="{D5A0A48E-ABEA-51D8-0774-BDC2B3F9F8BF}"/>
+                    </a:ext>
+                  </a:extLst>
+                </p14:cNvPr>
+                <p14:cNvContentPartPr/>
+                <p14:nvPr/>
+              </p14:nvContentPartPr>
+              <p14:xfrm>
+                <a:off x="3606436" y="2053615"/>
+                <a:ext cx="246240" cy="164160"/>
+              </p14:xfrm>
+            </p:contentPart>
+          </mc:Choice>
+          <mc:Fallback>
+            <p:pic>
+              <p:nvPicPr>
+                <p:cNvPr id="8" name="墨迹 7">
+                  <a:extLst>
+                    <a:ext uri="{FF2B5EF4-FFF2-40B4-BE49-F238E27FC236}">
+                      <a16:creationId xmlns:a16="http://schemas.microsoft.com/office/drawing/2014/main" id="{D5A0A48E-ABEA-51D8-0774-BDC2B3F9F8BF}"/>
+                    </a:ext>
+                  </a:extLst>
+                </p:cNvPr>
+                <p:cNvPicPr/>
+                <p:nvPr/>
+              </p:nvPicPr>
+              <p:blipFill>
+                <a:blip r:embed="rId8"/>
+                <a:stretch>
+                  <a:fillRect/>
+                </a:stretch>
+              </p:blipFill>
+              <p:spPr>
+                <a:xfrm>
+                  <a:off x="3588796" y="2035615"/>
+                  <a:ext cx="281880" cy="199800"/>
+                </a:xfrm>
+                <a:prstGeom prst="rect">
+                  <a:avLst/>
+                </a:prstGeom>
+              </p:spPr>
+            </p:pic>
+          </mc:Fallback>
+        </mc:AlternateContent>
+      </p:grpSp>
+      <mc:AlternateContent xmlns:mc="http://schemas.openxmlformats.org/markup-compatibility/2006">
+        <mc:Choice xmlns:p14="http://schemas.microsoft.com/office/powerpoint/2010/main" Requires="p14">
+          <p:contentPart p14:bwMode="auto" r:id="rId9">
+            <p14:nvContentPartPr>
+              <p14:cNvPr id="10" name="墨迹 9">
+                <a:extLst>
+                  <a:ext uri="{FF2B5EF4-FFF2-40B4-BE49-F238E27FC236}">
+                    <a16:creationId xmlns:a16="http://schemas.microsoft.com/office/drawing/2014/main" id="{5F5A3EDB-3D36-67FD-0DB2-FC786337AE23}"/>
+                  </a:ext>
+                </a:extLst>
+              </p14:cNvPr>
+              <p14:cNvContentPartPr/>
+              <p14:nvPr/>
+            </p14:nvContentPartPr>
+            <p14:xfrm>
+              <a:off x="5055076" y="3285535"/>
+              <a:ext cx="796680" cy="600480"/>
+            </p14:xfrm>
+          </p:contentPart>
+        </mc:Choice>
+        <mc:Fallback>
+          <p:pic>
+            <p:nvPicPr>
+              <p:cNvPr id="10" name="墨迹 9">
+                <a:extLst>
+                  <a:ext uri="{FF2B5EF4-FFF2-40B4-BE49-F238E27FC236}">
+                    <a16:creationId xmlns:a16="http://schemas.microsoft.com/office/drawing/2014/main" id="{5F5A3EDB-3D36-67FD-0DB2-FC786337AE23}"/>
+                  </a:ext>
+                </a:extLst>
+              </p:cNvPr>
+              <p:cNvPicPr/>
+              <p:nvPr/>
+            </p:nvPicPr>
+            <p:blipFill>
+              <a:blip r:embed="rId10"/>
+              <a:stretch>
+                <a:fillRect/>
+              </a:stretch>
+            </p:blipFill>
+            <p:spPr>
+              <a:xfrm>
+                <a:off x="5048956" y="3279415"/>
+                <a:ext cx="808920" cy="612720"/>
+              </a:xfrm>
+              <a:prstGeom prst="rect">
+                <a:avLst/>
+              </a:prstGeom>
+            </p:spPr>
+          </p:pic>
+        </mc:Fallback>
+      </mc:AlternateContent>
+      <p:grpSp>
+        <p:nvGrpSpPr>
+          <p:cNvPr id="13" name="组合 12">
+            <a:extLst>
+              <a:ext uri="{FF2B5EF4-FFF2-40B4-BE49-F238E27FC236}">
+                <a16:creationId xmlns:a16="http://schemas.microsoft.com/office/drawing/2014/main" id="{743730A6-7279-B51F-E121-28A770A3C891}"/>
+              </a:ext>
+            </a:extLst>
+          </p:cNvPr>
+          <p:cNvGrpSpPr/>
+          <p:nvPr/>
+        </p:nvGrpSpPr>
+        <p:grpSpPr>
+          <a:xfrm>
+            <a:off x="5040316" y="2104015"/>
+            <a:ext cx="161640" cy="379440"/>
+            <a:chOff x="5040316" y="2104015"/>
+            <a:chExt cx="161640" cy="379440"/>
+          </a:xfrm>
+        </p:grpSpPr>
+        <mc:AlternateContent xmlns:mc="http://schemas.openxmlformats.org/markup-compatibility/2006">
+          <mc:Choice xmlns:p14="http://schemas.microsoft.com/office/powerpoint/2010/main" Requires="p14">
+            <p:contentPart p14:bwMode="auto" r:id="rId11">
+              <p14:nvContentPartPr>
+                <p14:cNvPr id="11" name="墨迹 10">
+                  <a:extLst>
+                    <a:ext uri="{FF2B5EF4-FFF2-40B4-BE49-F238E27FC236}">
+                      <a16:creationId xmlns:a16="http://schemas.microsoft.com/office/drawing/2014/main" id="{99FE33F8-E959-5640-49FA-6DC20D20C517}"/>
+                    </a:ext>
+                  </a:extLst>
+                </p14:cNvPr>
+                <p14:cNvContentPartPr/>
+                <p14:nvPr/>
+              </p14:nvContentPartPr>
+              <p14:xfrm>
+                <a:off x="5102236" y="2104015"/>
+                <a:ext cx="46800" cy="308880"/>
+              </p14:xfrm>
+            </p:contentPart>
+          </mc:Choice>
+          <mc:Fallback>
+            <p:pic>
+              <p:nvPicPr>
+                <p:cNvPr id="11" name="墨迹 10">
+                  <a:extLst>
+                    <a:ext uri="{FF2B5EF4-FFF2-40B4-BE49-F238E27FC236}">
+                      <a16:creationId xmlns:a16="http://schemas.microsoft.com/office/drawing/2014/main" id="{99FE33F8-E959-5640-49FA-6DC20D20C517}"/>
+                    </a:ext>
+                  </a:extLst>
+                </p:cNvPr>
+                <p:cNvPicPr/>
+                <p:nvPr/>
+              </p:nvPicPr>
+              <p:blipFill>
+                <a:blip r:embed="rId12"/>
+                <a:stretch>
+                  <a:fillRect/>
+                </a:stretch>
+              </p:blipFill>
+              <p:spPr>
+                <a:xfrm>
+                  <a:off x="5084236" y="2086375"/>
+                  <a:ext cx="82440" cy="344520"/>
+                </a:xfrm>
+                <a:prstGeom prst="rect">
+                  <a:avLst/>
+                </a:prstGeom>
+              </p:spPr>
+            </p:pic>
+          </mc:Fallback>
+        </mc:AlternateContent>
+        <mc:AlternateContent xmlns:mc="http://schemas.openxmlformats.org/markup-compatibility/2006">
+          <mc:Choice xmlns:p14="http://schemas.microsoft.com/office/powerpoint/2010/main" Requires="p14">
+            <p:contentPart p14:bwMode="auto" r:id="rId13">
+              <p14:nvContentPartPr>
+                <p14:cNvPr id="12" name="墨迹 11">
+                  <a:extLst>
+                    <a:ext uri="{FF2B5EF4-FFF2-40B4-BE49-F238E27FC236}">
+                      <a16:creationId xmlns:a16="http://schemas.microsoft.com/office/drawing/2014/main" id="{F857FDE9-052F-F2EF-F623-B496DC9FF480}"/>
+                    </a:ext>
+                  </a:extLst>
+                </p14:cNvPr>
+                <p14:cNvContentPartPr/>
+                <p14:nvPr/>
+              </p14:nvContentPartPr>
+              <p14:xfrm>
+                <a:off x="5040316" y="2346295"/>
+                <a:ext cx="161640" cy="137160"/>
+              </p14:xfrm>
+            </p:contentPart>
+          </mc:Choice>
+          <mc:Fallback>
+            <p:pic>
+              <p:nvPicPr>
+                <p:cNvPr id="12" name="墨迹 11">
+                  <a:extLst>
+                    <a:ext uri="{FF2B5EF4-FFF2-40B4-BE49-F238E27FC236}">
+                      <a16:creationId xmlns:a16="http://schemas.microsoft.com/office/drawing/2014/main" id="{F857FDE9-052F-F2EF-F623-B496DC9FF480}"/>
+                    </a:ext>
+                  </a:extLst>
+                </p:cNvPr>
+                <p:cNvPicPr/>
+                <p:nvPr/>
+              </p:nvPicPr>
+              <p:blipFill>
+                <a:blip r:embed="rId14"/>
+                <a:stretch>
+                  <a:fillRect/>
+                </a:stretch>
+              </p:blipFill>
+              <p:spPr>
+                <a:xfrm>
+                  <a:off x="5022316" y="2328655"/>
+                  <a:ext cx="197280" cy="172800"/>
+                </a:xfrm>
+                <a:prstGeom prst="rect">
+                  <a:avLst/>
+                </a:prstGeom>
+              </p:spPr>
+            </p:pic>
+          </mc:Fallback>
+        </mc:AlternateContent>
+      </p:grpSp>
     </p:spTree>
   </p:cSld>
   <p:clrMapOvr>
@@ -25369,8 +26075,8 @@
             <a:chExt cx="1622160" cy="697680"/>
           </a:xfrm>
         </p:grpSpPr>
-        <mc:AlternateContent xmlns:mc="http://schemas.openxmlformats.org/markup-compatibility/2006">
-          <mc:Choice xmlns:p14="http://schemas.microsoft.com/office/powerpoint/2010/main" Requires="p14">
+        <mc:AlternateContent xmlns:mc="http://schemas.openxmlformats.org/markup-compatibility/2006" xmlns:p14="http://schemas.microsoft.com/office/powerpoint/2010/main">
+          <mc:Choice Requires="p14">
             <p:contentPart p14:bwMode="auto" r:id="rId3">
               <p14:nvContentPartPr>
                 <p14:cNvPr id="7" name="墨迹 6">
@@ -25389,7 +26095,7 @@
               </p14:xfrm>
             </p:contentPart>
           </mc:Choice>
-          <mc:Fallback>
+          <mc:Fallback xmlns="">
             <p:pic>
               <p:nvPicPr>
                 <p:cNvPr id="7" name="墨迹 6">
@@ -25420,8 +26126,8 @@
             </p:pic>
           </mc:Fallback>
         </mc:AlternateContent>
-        <mc:AlternateContent xmlns:mc="http://schemas.openxmlformats.org/markup-compatibility/2006">
-          <mc:Choice xmlns:p14="http://schemas.microsoft.com/office/powerpoint/2010/main" Requires="p14">
+        <mc:AlternateContent xmlns:mc="http://schemas.openxmlformats.org/markup-compatibility/2006" xmlns:p14="http://schemas.microsoft.com/office/powerpoint/2010/main">
+          <mc:Choice Requires="p14">
             <p:contentPart p14:bwMode="auto" r:id="rId5">
               <p14:nvContentPartPr>
                 <p14:cNvPr id="8" name="墨迹 7">
@@ -25440,7 +26146,7 @@
               </p14:xfrm>
             </p:contentPart>
           </mc:Choice>
-          <mc:Fallback>
+          <mc:Fallback xmlns="">
             <p:pic>
               <p:nvPicPr>
                 <p:cNvPr id="8" name="墨迹 7">
@@ -25471,8 +26177,8 @@
             </p:pic>
           </mc:Fallback>
         </mc:AlternateContent>
-        <mc:AlternateContent xmlns:mc="http://schemas.openxmlformats.org/markup-compatibility/2006">
-          <mc:Choice xmlns:p14="http://schemas.microsoft.com/office/powerpoint/2010/main" Requires="p14">
+        <mc:AlternateContent xmlns:mc="http://schemas.openxmlformats.org/markup-compatibility/2006" xmlns:p14="http://schemas.microsoft.com/office/powerpoint/2010/main">
+          <mc:Choice Requires="p14">
             <p:contentPart p14:bwMode="auto" r:id="rId7">
               <p14:nvContentPartPr>
                 <p14:cNvPr id="9" name="墨迹 8">
@@ -25491,7 +26197,7 @@
               </p14:xfrm>
             </p:contentPart>
           </mc:Choice>
-          <mc:Fallback>
+          <mc:Fallback xmlns="">
             <p:pic>
               <p:nvPicPr>
                 <p:cNvPr id="9" name="墨迹 8">
@@ -25522,8 +26228,8 @@
             </p:pic>
           </mc:Fallback>
         </mc:AlternateContent>
-        <mc:AlternateContent xmlns:mc="http://schemas.openxmlformats.org/markup-compatibility/2006">
-          <mc:Choice xmlns:p14="http://schemas.microsoft.com/office/powerpoint/2010/main" Requires="p14">
+        <mc:AlternateContent xmlns:mc="http://schemas.openxmlformats.org/markup-compatibility/2006" xmlns:p14="http://schemas.microsoft.com/office/powerpoint/2010/main">
+          <mc:Choice Requires="p14">
             <p:contentPart p14:bwMode="auto" r:id="rId9">
               <p14:nvContentPartPr>
                 <p14:cNvPr id="10" name="墨迹 9">
@@ -25542,7 +26248,7 @@
               </p14:xfrm>
             </p:contentPart>
           </mc:Choice>
-          <mc:Fallback>
+          <mc:Fallback xmlns="">
             <p:pic>
               <p:nvPicPr>
                 <p:cNvPr id="10" name="墨迹 9">
@@ -25573,8 +26279,8 @@
             </p:pic>
           </mc:Fallback>
         </mc:AlternateContent>
-        <mc:AlternateContent xmlns:mc="http://schemas.openxmlformats.org/markup-compatibility/2006">
-          <mc:Choice xmlns:p14="http://schemas.microsoft.com/office/powerpoint/2010/main" Requires="p14">
+        <mc:AlternateContent xmlns:mc="http://schemas.openxmlformats.org/markup-compatibility/2006" xmlns:p14="http://schemas.microsoft.com/office/powerpoint/2010/main">
+          <mc:Choice Requires="p14">
             <p:contentPart p14:bwMode="auto" r:id="rId11">
               <p14:nvContentPartPr>
                 <p14:cNvPr id="11" name="墨迹 10">
@@ -25593,7 +26299,7 @@
               </p14:xfrm>
             </p:contentPart>
           </mc:Choice>
-          <mc:Fallback>
+          <mc:Fallback xmlns="">
             <p:pic>
               <p:nvPicPr>
                 <p:cNvPr id="11" name="墨迹 10">
@@ -25624,8 +26330,8 @@
             </p:pic>
           </mc:Fallback>
         </mc:AlternateContent>
-        <mc:AlternateContent xmlns:mc="http://schemas.openxmlformats.org/markup-compatibility/2006">
-          <mc:Choice xmlns:p14="http://schemas.microsoft.com/office/powerpoint/2010/main" Requires="p14">
+        <mc:AlternateContent xmlns:mc="http://schemas.openxmlformats.org/markup-compatibility/2006" xmlns:p14="http://schemas.microsoft.com/office/powerpoint/2010/main">
+          <mc:Choice Requires="p14">
             <p:contentPart p14:bwMode="auto" r:id="rId13">
               <p14:nvContentPartPr>
                 <p14:cNvPr id="12" name="墨迹 11">
@@ -25644,7 +26350,7 @@
               </p14:xfrm>
             </p:contentPart>
           </mc:Choice>
-          <mc:Fallback>
+          <mc:Fallback xmlns="">
             <p:pic>
               <p:nvPicPr>
                 <p:cNvPr id="12" name="墨迹 11">
@@ -25675,8 +26381,8 @@
             </p:pic>
           </mc:Fallback>
         </mc:AlternateContent>
-        <mc:AlternateContent xmlns:mc="http://schemas.openxmlformats.org/markup-compatibility/2006">
-          <mc:Choice xmlns:p14="http://schemas.microsoft.com/office/powerpoint/2010/main" Requires="p14">
+        <mc:AlternateContent xmlns:mc="http://schemas.openxmlformats.org/markup-compatibility/2006" xmlns:p14="http://schemas.microsoft.com/office/powerpoint/2010/main">
+          <mc:Choice Requires="p14">
             <p:contentPart p14:bwMode="auto" r:id="rId15">
               <p14:nvContentPartPr>
                 <p14:cNvPr id="13" name="墨迹 12">
@@ -25695,7 +26401,7 @@
               </p14:xfrm>
             </p:contentPart>
           </mc:Choice>
-          <mc:Fallback>
+          <mc:Fallback xmlns="">
             <p:pic>
               <p:nvPicPr>
                 <p:cNvPr id="13" name="墨迹 12">
@@ -25726,8 +26432,8 @@
             </p:pic>
           </mc:Fallback>
         </mc:AlternateContent>
-        <mc:AlternateContent xmlns:mc="http://schemas.openxmlformats.org/markup-compatibility/2006">
-          <mc:Choice xmlns:p14="http://schemas.microsoft.com/office/powerpoint/2010/main" Requires="p14">
+        <mc:AlternateContent xmlns:mc="http://schemas.openxmlformats.org/markup-compatibility/2006" xmlns:p14="http://schemas.microsoft.com/office/powerpoint/2010/main">
+          <mc:Choice Requires="p14">
             <p:contentPart p14:bwMode="auto" r:id="rId17">
               <p14:nvContentPartPr>
                 <p14:cNvPr id="14" name="墨迹 13">
@@ -25746,7 +26452,7 @@
               </p14:xfrm>
             </p:contentPart>
           </mc:Choice>
-          <mc:Fallback>
+          <mc:Fallback xmlns="">
             <p:pic>
               <p:nvPicPr>
                 <p:cNvPr id="14" name="墨迹 13">
@@ -25777,8 +26483,8 @@
             </p:pic>
           </mc:Fallback>
         </mc:AlternateContent>
-        <mc:AlternateContent xmlns:mc="http://schemas.openxmlformats.org/markup-compatibility/2006">
-          <mc:Choice xmlns:p14="http://schemas.microsoft.com/office/powerpoint/2010/main" Requires="p14">
+        <mc:AlternateContent xmlns:mc="http://schemas.openxmlformats.org/markup-compatibility/2006" xmlns:p14="http://schemas.microsoft.com/office/powerpoint/2010/main">
+          <mc:Choice Requires="p14">
             <p:contentPart p14:bwMode="auto" r:id="rId19">
               <p14:nvContentPartPr>
                 <p14:cNvPr id="15" name="墨迹 14">
@@ -25797,7 +26503,7 @@
               </p14:xfrm>
             </p:contentPart>
           </mc:Choice>
-          <mc:Fallback>
+          <mc:Fallback xmlns="">
             <p:pic>
               <p:nvPicPr>
                 <p:cNvPr id="15" name="墨迹 14">
@@ -25828,8 +26534,8 @@
             </p:pic>
           </mc:Fallback>
         </mc:AlternateContent>
-        <mc:AlternateContent xmlns:mc="http://schemas.openxmlformats.org/markup-compatibility/2006">
-          <mc:Choice xmlns:p14="http://schemas.microsoft.com/office/powerpoint/2010/main" Requires="p14">
+        <mc:AlternateContent xmlns:mc="http://schemas.openxmlformats.org/markup-compatibility/2006" xmlns:p14="http://schemas.microsoft.com/office/powerpoint/2010/main">
+          <mc:Choice Requires="p14">
             <p:contentPart p14:bwMode="auto" r:id="rId21">
               <p14:nvContentPartPr>
                 <p14:cNvPr id="16" name="墨迹 15">
@@ -25848,7 +26554,7 @@
               </p14:xfrm>
             </p:contentPart>
           </mc:Choice>
-          <mc:Fallback>
+          <mc:Fallback xmlns="">
             <p:pic>
               <p:nvPicPr>
                 <p:cNvPr id="16" name="墨迹 15">
@@ -25879,8 +26585,8 @@
             </p:pic>
           </mc:Fallback>
         </mc:AlternateContent>
-        <mc:AlternateContent xmlns:mc="http://schemas.openxmlformats.org/markup-compatibility/2006">
-          <mc:Choice xmlns:p14="http://schemas.microsoft.com/office/powerpoint/2010/main" Requires="p14">
+        <mc:AlternateContent xmlns:mc="http://schemas.openxmlformats.org/markup-compatibility/2006" xmlns:p14="http://schemas.microsoft.com/office/powerpoint/2010/main">
+          <mc:Choice Requires="p14">
             <p:contentPart p14:bwMode="auto" r:id="rId23">
               <p14:nvContentPartPr>
                 <p14:cNvPr id="17" name="墨迹 16">
@@ -25899,7 +26605,7 @@
               </p14:xfrm>
             </p:contentPart>
           </mc:Choice>
-          <mc:Fallback>
+          <mc:Fallback xmlns="">
             <p:pic>
               <p:nvPicPr>
                 <p:cNvPr id="17" name="墨迹 16">
@@ -25930,8 +26636,8 @@
             </p:pic>
           </mc:Fallback>
         </mc:AlternateContent>
-        <mc:AlternateContent xmlns:mc="http://schemas.openxmlformats.org/markup-compatibility/2006">
-          <mc:Choice xmlns:p14="http://schemas.microsoft.com/office/powerpoint/2010/main" Requires="p14">
+        <mc:AlternateContent xmlns:mc="http://schemas.openxmlformats.org/markup-compatibility/2006" xmlns:p14="http://schemas.microsoft.com/office/powerpoint/2010/main">
+          <mc:Choice Requires="p14">
             <p:contentPart p14:bwMode="auto" r:id="rId25">
               <p14:nvContentPartPr>
                 <p14:cNvPr id="18" name="墨迹 17">
@@ -25950,7 +26656,7 @@
               </p14:xfrm>
             </p:contentPart>
           </mc:Choice>
-          <mc:Fallback>
+          <mc:Fallback xmlns="">
             <p:pic>
               <p:nvPicPr>
                 <p:cNvPr id="18" name="墨迹 17">
